--- a/WorkReport.pptx
+++ b/WorkReport.pptx
@@ -5,12 +5,22 @@
     <p:sldMasterId id="2147483672" r:id="rId1"/>
   </p:sldMasterIdLst>
   <p:notesMasterIdLst>
-    <p:notesMasterId r:id="rId5"/>
+    <p:notesMasterId r:id="rId15"/>
   </p:notesMasterIdLst>
   <p:sldIdLst>
     <p:sldId id="256" r:id="rId2"/>
     <p:sldId id="257" r:id="rId3"/>
     <p:sldId id="258" r:id="rId4"/>
+    <p:sldId id="268" r:id="rId5"/>
+    <p:sldId id="259" r:id="rId6"/>
+    <p:sldId id="260" r:id="rId7"/>
+    <p:sldId id="261" r:id="rId8"/>
+    <p:sldId id="262" r:id="rId9"/>
+    <p:sldId id="263" r:id="rId10"/>
+    <p:sldId id="264" r:id="rId11"/>
+    <p:sldId id="265" r:id="rId12"/>
+    <p:sldId id="266" r:id="rId13"/>
+    <p:sldId id="267" r:id="rId14"/>
   </p:sldIdLst>
   <p:sldSz cx="12192000" cy="6858000"/>
   <p:notesSz cx="6858000" cy="9144000"/>
@@ -211,7 +221,7 @@
           <a:p>
             <a:fld id="{A85CF6A7-BC62-48E7-BB8D-1F822606BBD3}" type="datetimeFigureOut">
               <a:rPr lang="en-US" smtClean="0"/>
-              <a:t>7/10/23</a:t>
+              <a:t>7/11/23</a:t>
             </a:fld>
             <a:endParaRPr lang="en-US"/>
           </a:p>
@@ -719,7 +729,7 @@
           <a:p>
             <a:fld id="{1F3734A2-37A3-432A-B91B-C57F6C6AADF7}" type="datetime1">
               <a:rPr lang="en-US" smtClean="0"/>
-              <a:t>7/10/23</a:t>
+              <a:t>7/11/23</a:t>
             </a:fld>
             <a:endParaRPr lang="en-US"/>
           </a:p>
@@ -890,7 +900,7 @@
           <a:p>
             <a:fld id="{1F3734A2-37A3-432A-B91B-C57F6C6AADF7}" type="datetime1">
               <a:rPr lang="en-US" smtClean="0"/>
-              <a:t>7/10/23</a:t>
+              <a:t>7/11/23</a:t>
             </a:fld>
             <a:endParaRPr lang="en-US"/>
           </a:p>
@@ -1071,7 +1081,7 @@
           <a:p>
             <a:fld id="{1F3734A2-37A3-432A-B91B-C57F6C6AADF7}" type="datetime1">
               <a:rPr lang="en-US" smtClean="0"/>
-              <a:t>7/10/23</a:t>
+              <a:t>7/11/23</a:t>
             </a:fld>
             <a:endParaRPr lang="en-US"/>
           </a:p>
@@ -1242,7 +1252,7 @@
           <a:p>
             <a:fld id="{1F3734A2-37A3-432A-B91B-C57F6C6AADF7}" type="datetime1">
               <a:rPr lang="en-US" smtClean="0"/>
-              <a:t>7/10/23</a:t>
+              <a:t>7/11/23</a:t>
             </a:fld>
             <a:endParaRPr lang="en-US"/>
           </a:p>
@@ -1489,7 +1499,7 @@
           <a:p>
             <a:fld id="{1F3734A2-37A3-432A-B91B-C57F6C6AADF7}" type="datetime1">
               <a:rPr lang="en-US" smtClean="0"/>
-              <a:t>7/10/23</a:t>
+              <a:t>7/11/23</a:t>
             </a:fld>
             <a:endParaRPr lang="en-US"/>
           </a:p>
@@ -1722,7 +1732,7 @@
           <a:p>
             <a:fld id="{1F3734A2-37A3-432A-B91B-C57F6C6AADF7}" type="datetime1">
               <a:rPr lang="en-US" smtClean="0"/>
-              <a:t>7/10/23</a:t>
+              <a:t>7/11/23</a:t>
             </a:fld>
             <a:endParaRPr lang="en-US"/>
           </a:p>
@@ -2090,7 +2100,7 @@
           <a:p>
             <a:fld id="{1F3734A2-37A3-432A-B91B-C57F6C6AADF7}" type="datetime1">
               <a:rPr lang="en-US" smtClean="0"/>
-              <a:t>7/10/23</a:t>
+              <a:t>7/11/23</a:t>
             </a:fld>
             <a:endParaRPr lang="en-US"/>
           </a:p>
@@ -2209,7 +2219,7 @@
           <a:p>
             <a:fld id="{1F3734A2-37A3-432A-B91B-C57F6C6AADF7}" type="datetime1">
               <a:rPr lang="en-US" smtClean="0"/>
-              <a:t>7/10/23</a:t>
+              <a:t>7/11/23</a:t>
             </a:fld>
             <a:endParaRPr lang="en-US"/>
           </a:p>
@@ -2305,7 +2315,7 @@
           <a:p>
             <a:fld id="{1F3734A2-37A3-432A-B91B-C57F6C6AADF7}" type="datetime1">
               <a:rPr lang="en-US" smtClean="0"/>
-              <a:t>7/10/23</a:t>
+              <a:t>7/11/23</a:t>
             </a:fld>
             <a:endParaRPr lang="en-US"/>
           </a:p>
@@ -2583,7 +2593,7 @@
           <a:p>
             <a:fld id="{1F3734A2-37A3-432A-B91B-C57F6C6AADF7}" type="datetime1">
               <a:rPr lang="en-US" smtClean="0"/>
-              <a:t>7/10/23</a:t>
+              <a:t>7/11/23</a:t>
             </a:fld>
             <a:endParaRPr lang="en-US"/>
           </a:p>
@@ -2841,7 +2851,7 @@
           <a:p>
             <a:fld id="{1F3734A2-37A3-432A-B91B-C57F6C6AADF7}" type="datetime1">
               <a:rPr lang="en-US" smtClean="0"/>
-              <a:t>7/10/23</a:t>
+              <a:t>7/11/23</a:t>
             </a:fld>
             <a:endParaRPr lang="en-US"/>
           </a:p>
@@ -3055,7 +3065,7 @@
           <a:p>
             <a:fld id="{1F3734A2-37A3-432A-B91B-C57F6C6AADF7}" type="datetime1">
               <a:rPr lang="en-US" smtClean="0"/>
-              <a:t>7/10/23</a:t>
+              <a:t>7/11/23</a:t>
             </a:fld>
             <a:endParaRPr lang="en-US"/>
           </a:p>
@@ -3588,6 +3598,242 @@
 </p:sld>
 </file>
 
+<file path=ppt/slides/slide10.xml><?xml version="1.0" encoding="utf-8"?>
+<p:sld xmlns:a="http://schemas.openxmlformats.org/drawingml/2006/main" xmlns:r="http://schemas.openxmlformats.org/officeDocument/2006/relationships" xmlns:p="http://schemas.openxmlformats.org/presentationml/2006/main">
+  <p:cSld>
+    <p:spTree>
+      <p:nvGrpSpPr>
+        <p:cNvPr id="1" name=""/>
+        <p:cNvGrpSpPr/>
+        <p:nvPr/>
+      </p:nvGrpSpPr>
+      <p:grpSpPr>
+        <a:xfrm>
+          <a:off x="0" y="0"/>
+          <a:ext cx="0" cy="0"/>
+          <a:chOff x="0" y="0"/>
+          <a:chExt cx="0" cy="0"/>
+        </a:xfrm>
+      </p:grpSpPr>
+      <p:sp>
+        <p:nvSpPr>
+          <p:cNvPr id="4" name="Slide Number Placeholder 3">
+            <a:extLst>
+              <a:ext uri="{FF2B5EF4-FFF2-40B4-BE49-F238E27FC236}">
+                <a16:creationId xmlns:a16="http://schemas.microsoft.com/office/drawing/2014/main" id="{AC30DC80-BEDF-8372-4083-7520A3AD657E}"/>
+              </a:ext>
+            </a:extLst>
+          </p:cNvPr>
+          <p:cNvSpPr>
+            <a:spLocks noGrp="1"/>
+          </p:cNvSpPr>
+          <p:nvPr>
+            <p:ph type="sldNum" sz="quarter" idx="12"/>
+          </p:nvPr>
+        </p:nvSpPr>
+        <p:spPr/>
+        <p:txBody>
+          <a:bodyPr/>
+          <a:lstStyle/>
+          <a:p>
+            <a:fld id="{AD169837-3143-44FA-94C6-B5220B265883}" type="slidenum">
+              <a:rPr lang="en-US" smtClean="0"/>
+              <a:t>10</a:t>
+            </a:fld>
+            <a:endParaRPr lang="en-US"/>
+          </a:p>
+        </p:txBody>
+      </p:sp>
+    </p:spTree>
+    <p:extLst>
+      <p:ext uri="{BB962C8B-B14F-4D97-AF65-F5344CB8AC3E}">
+        <p14:creationId xmlns:p14="http://schemas.microsoft.com/office/powerpoint/2010/main" val="1708610594"/>
+      </p:ext>
+    </p:extLst>
+  </p:cSld>
+  <p:clrMapOvr>
+    <a:masterClrMapping/>
+  </p:clrMapOvr>
+</p:sld>
+</file>
+
+<file path=ppt/slides/slide11.xml><?xml version="1.0" encoding="utf-8"?>
+<p:sld xmlns:a="http://schemas.openxmlformats.org/drawingml/2006/main" xmlns:r="http://schemas.openxmlformats.org/officeDocument/2006/relationships" xmlns:p="http://schemas.openxmlformats.org/presentationml/2006/main">
+  <p:cSld>
+    <p:spTree>
+      <p:nvGrpSpPr>
+        <p:cNvPr id="1" name=""/>
+        <p:cNvGrpSpPr/>
+        <p:nvPr/>
+      </p:nvGrpSpPr>
+      <p:grpSpPr>
+        <a:xfrm>
+          <a:off x="0" y="0"/>
+          <a:ext cx="0" cy="0"/>
+          <a:chOff x="0" y="0"/>
+          <a:chExt cx="0" cy="0"/>
+        </a:xfrm>
+      </p:grpSpPr>
+      <p:sp>
+        <p:nvSpPr>
+          <p:cNvPr id="4" name="Slide Number Placeholder 3">
+            <a:extLst>
+              <a:ext uri="{FF2B5EF4-FFF2-40B4-BE49-F238E27FC236}">
+                <a16:creationId xmlns:a16="http://schemas.microsoft.com/office/drawing/2014/main" id="{AC30DC80-BEDF-8372-4083-7520A3AD657E}"/>
+              </a:ext>
+            </a:extLst>
+          </p:cNvPr>
+          <p:cNvSpPr>
+            <a:spLocks noGrp="1"/>
+          </p:cNvSpPr>
+          <p:nvPr>
+            <p:ph type="sldNum" sz="quarter" idx="12"/>
+          </p:nvPr>
+        </p:nvSpPr>
+        <p:spPr/>
+        <p:txBody>
+          <a:bodyPr/>
+          <a:lstStyle/>
+          <a:p>
+            <a:fld id="{AD169837-3143-44FA-94C6-B5220B265883}" type="slidenum">
+              <a:rPr lang="en-US" smtClean="0"/>
+              <a:t>11</a:t>
+            </a:fld>
+            <a:endParaRPr lang="en-US"/>
+          </a:p>
+        </p:txBody>
+      </p:sp>
+    </p:spTree>
+    <p:extLst>
+      <p:ext uri="{BB962C8B-B14F-4D97-AF65-F5344CB8AC3E}">
+        <p14:creationId xmlns:p14="http://schemas.microsoft.com/office/powerpoint/2010/main" val="1745059043"/>
+      </p:ext>
+    </p:extLst>
+  </p:cSld>
+  <p:clrMapOvr>
+    <a:masterClrMapping/>
+  </p:clrMapOvr>
+</p:sld>
+</file>
+
+<file path=ppt/slides/slide12.xml><?xml version="1.0" encoding="utf-8"?>
+<p:sld xmlns:a="http://schemas.openxmlformats.org/drawingml/2006/main" xmlns:r="http://schemas.openxmlformats.org/officeDocument/2006/relationships" xmlns:p="http://schemas.openxmlformats.org/presentationml/2006/main">
+  <p:cSld>
+    <p:spTree>
+      <p:nvGrpSpPr>
+        <p:cNvPr id="1" name=""/>
+        <p:cNvGrpSpPr/>
+        <p:nvPr/>
+      </p:nvGrpSpPr>
+      <p:grpSpPr>
+        <a:xfrm>
+          <a:off x="0" y="0"/>
+          <a:ext cx="0" cy="0"/>
+          <a:chOff x="0" y="0"/>
+          <a:chExt cx="0" cy="0"/>
+        </a:xfrm>
+      </p:grpSpPr>
+      <p:sp>
+        <p:nvSpPr>
+          <p:cNvPr id="4" name="Slide Number Placeholder 3">
+            <a:extLst>
+              <a:ext uri="{FF2B5EF4-FFF2-40B4-BE49-F238E27FC236}">
+                <a16:creationId xmlns:a16="http://schemas.microsoft.com/office/drawing/2014/main" id="{AC30DC80-BEDF-8372-4083-7520A3AD657E}"/>
+              </a:ext>
+            </a:extLst>
+          </p:cNvPr>
+          <p:cNvSpPr>
+            <a:spLocks noGrp="1"/>
+          </p:cNvSpPr>
+          <p:nvPr>
+            <p:ph type="sldNum" sz="quarter" idx="12"/>
+          </p:nvPr>
+        </p:nvSpPr>
+        <p:spPr/>
+        <p:txBody>
+          <a:bodyPr/>
+          <a:lstStyle/>
+          <a:p>
+            <a:fld id="{AD169837-3143-44FA-94C6-B5220B265883}" type="slidenum">
+              <a:rPr lang="en-US" smtClean="0"/>
+              <a:t>12</a:t>
+            </a:fld>
+            <a:endParaRPr lang="en-US"/>
+          </a:p>
+        </p:txBody>
+      </p:sp>
+    </p:spTree>
+    <p:extLst>
+      <p:ext uri="{BB962C8B-B14F-4D97-AF65-F5344CB8AC3E}">
+        <p14:creationId xmlns:p14="http://schemas.microsoft.com/office/powerpoint/2010/main" val="323176756"/>
+      </p:ext>
+    </p:extLst>
+  </p:cSld>
+  <p:clrMapOvr>
+    <a:masterClrMapping/>
+  </p:clrMapOvr>
+</p:sld>
+</file>
+
+<file path=ppt/slides/slide13.xml><?xml version="1.0" encoding="utf-8"?>
+<p:sld xmlns:a="http://schemas.openxmlformats.org/drawingml/2006/main" xmlns:r="http://schemas.openxmlformats.org/officeDocument/2006/relationships" xmlns:p="http://schemas.openxmlformats.org/presentationml/2006/main">
+  <p:cSld>
+    <p:spTree>
+      <p:nvGrpSpPr>
+        <p:cNvPr id="1" name=""/>
+        <p:cNvGrpSpPr/>
+        <p:nvPr/>
+      </p:nvGrpSpPr>
+      <p:grpSpPr>
+        <a:xfrm>
+          <a:off x="0" y="0"/>
+          <a:ext cx="0" cy="0"/>
+          <a:chOff x="0" y="0"/>
+          <a:chExt cx="0" cy="0"/>
+        </a:xfrm>
+      </p:grpSpPr>
+      <p:sp>
+        <p:nvSpPr>
+          <p:cNvPr id="4" name="Slide Number Placeholder 3">
+            <a:extLst>
+              <a:ext uri="{FF2B5EF4-FFF2-40B4-BE49-F238E27FC236}">
+                <a16:creationId xmlns:a16="http://schemas.microsoft.com/office/drawing/2014/main" id="{AC30DC80-BEDF-8372-4083-7520A3AD657E}"/>
+              </a:ext>
+            </a:extLst>
+          </p:cNvPr>
+          <p:cNvSpPr>
+            <a:spLocks noGrp="1"/>
+          </p:cNvSpPr>
+          <p:nvPr>
+            <p:ph type="sldNum" sz="quarter" idx="12"/>
+          </p:nvPr>
+        </p:nvSpPr>
+        <p:spPr/>
+        <p:txBody>
+          <a:bodyPr/>
+          <a:lstStyle/>
+          <a:p>
+            <a:fld id="{AD169837-3143-44FA-94C6-B5220B265883}" type="slidenum">
+              <a:rPr lang="en-US" smtClean="0"/>
+              <a:t>13</a:t>
+            </a:fld>
+            <a:endParaRPr lang="en-US"/>
+          </a:p>
+        </p:txBody>
+      </p:sp>
+    </p:spTree>
+    <p:extLst>
+      <p:ext uri="{BB962C8B-B14F-4D97-AF65-F5344CB8AC3E}">
+        <p14:creationId xmlns:p14="http://schemas.microsoft.com/office/powerpoint/2010/main" val="3525075523"/>
+      </p:ext>
+    </p:extLst>
+  </p:cSld>
+  <p:clrMapOvr>
+    <a:masterClrMapping/>
+  </p:clrMapOvr>
+</p:sld>
+</file>
+
 <file path=ppt/slides/slide2.xml><?xml version="1.0" encoding="utf-8"?>
 <p:sld xmlns:a="http://schemas.openxmlformats.org/drawingml/2006/main" xmlns:r="http://schemas.openxmlformats.org/officeDocument/2006/relationships" xmlns:p="http://schemas.openxmlformats.org/presentationml/2006/main">
   <p:cSld>
@@ -3663,7 +3909,7 @@
           <a:p>
             <a:r>
               <a:rPr lang="en-US" dirty="0"/>
-              <a:t>Step 0: Raw data preprocessing, QC, normalization, cell annotation</a:t>
+              <a:t>Step 0: Raw data preprocessing, QC, normalization, cell annotation (use original annotation if provided with paper, e.g. GSE120575 CD8T)</a:t>
             </a:r>
           </a:p>
           <a:p>
@@ -3675,7 +3921,7 @@
           <a:p>
             <a:r>
               <a:rPr lang="en-US" dirty="0"/>
-              <a:t>Step 2: Subset to cell types of interest (e.g., T, CD8T, B cells), and save to .h5ad</a:t>
+              <a:t>Step 2: Subset to cell types of interest (e.g., CD4T, CD8T, B cells), and save to .h5ad</a:t>
             </a:r>
           </a:p>
           <a:p>
@@ -3826,9 +4072,11 @@
           </a:p>
           <a:p>
             <a:r>
-              <a:rPr lang="en-US"/>
-              <a:t>4. </a:t>
-            </a:r>
+              <a:rPr lang="en-US" dirty="0"/>
+              <a:t>4. Simple </a:t>
+            </a:r>
+          </a:p>
+          <a:p>
             <a:endParaRPr lang="en-US" dirty="0"/>
           </a:p>
         </p:txBody>
@@ -3866,6 +4114,764 @@
     <p:extLst>
       <p:ext uri="{BB962C8B-B14F-4D97-AF65-F5344CB8AC3E}">
         <p14:creationId xmlns:p14="http://schemas.microsoft.com/office/powerpoint/2010/main" val="1201870681"/>
+      </p:ext>
+    </p:extLst>
+  </p:cSld>
+  <p:clrMapOvr>
+    <a:masterClrMapping/>
+  </p:clrMapOvr>
+</p:sld>
+</file>
+
+<file path=ppt/slides/slide4.xml><?xml version="1.0" encoding="utf-8"?>
+<p:sld xmlns:a="http://schemas.openxmlformats.org/drawingml/2006/main" xmlns:r="http://schemas.openxmlformats.org/officeDocument/2006/relationships" xmlns:p="http://schemas.openxmlformats.org/presentationml/2006/main">
+  <p:cSld>
+    <p:spTree>
+      <p:nvGrpSpPr>
+        <p:cNvPr id="1" name=""/>
+        <p:cNvGrpSpPr/>
+        <p:nvPr/>
+      </p:nvGrpSpPr>
+      <p:grpSpPr>
+        <a:xfrm>
+          <a:off x="0" y="0"/>
+          <a:ext cx="0" cy="0"/>
+          <a:chOff x="0" y="0"/>
+          <a:chExt cx="0" cy="0"/>
+        </a:xfrm>
+      </p:grpSpPr>
+      <p:sp>
+        <p:nvSpPr>
+          <p:cNvPr id="2" name="Title 1">
+            <a:extLst>
+              <a:ext uri="{FF2B5EF4-FFF2-40B4-BE49-F238E27FC236}">
+                <a16:creationId xmlns:a16="http://schemas.microsoft.com/office/drawing/2014/main" id="{1951EEC2-A2BD-1963-5CD3-DF4E3847CB96}"/>
+              </a:ext>
+            </a:extLst>
+          </p:cNvPr>
+          <p:cNvSpPr>
+            <a:spLocks noGrp="1"/>
+          </p:cNvSpPr>
+          <p:nvPr>
+            <p:ph type="title"/>
+          </p:nvPr>
+        </p:nvSpPr>
+        <p:spPr/>
+        <p:txBody>
+          <a:bodyPr/>
+          <a:lstStyle/>
+          <a:p>
+            <a:r>
+              <a:rPr lang="en-US" dirty="0"/>
+              <a:t>Idea</a:t>
+            </a:r>
+          </a:p>
+        </p:txBody>
+      </p:sp>
+      <p:sp>
+        <p:nvSpPr>
+          <p:cNvPr id="3" name="Content Placeholder 2">
+            <a:extLst>
+              <a:ext uri="{FF2B5EF4-FFF2-40B4-BE49-F238E27FC236}">
+                <a16:creationId xmlns:a16="http://schemas.microsoft.com/office/drawing/2014/main" id="{9EB63EFD-F3B5-921E-59DD-8A62757F2F95}"/>
+              </a:ext>
+            </a:extLst>
+          </p:cNvPr>
+          <p:cNvSpPr>
+            <a:spLocks noGrp="1"/>
+          </p:cNvSpPr>
+          <p:nvPr>
+            <p:ph idx="1"/>
+          </p:nvPr>
+        </p:nvSpPr>
+        <p:spPr>
+          <a:xfrm>
+            <a:off x="838200" y="1486959"/>
+            <a:ext cx="10515600" cy="5032375"/>
+          </a:xfrm>
+        </p:spPr>
+        <p:txBody>
+          <a:bodyPr>
+            <a:normAutofit/>
+          </a:bodyPr>
+          <a:lstStyle/>
+          <a:p>
+            <a:r>
+              <a:rPr lang="en-US" b="1" dirty="0"/>
+              <a:t>Predicting phenotype using phenotype-related cells</a:t>
+            </a:r>
+          </a:p>
+          <a:p>
+            <a:pPr lvl="1"/>
+            <a:r>
+              <a:rPr lang="en-US" dirty="0"/>
+              <a:t>1. Regarding GSE120575, there are 44 samples. Using 30 to train the model, 14 to evaluate the predictive power. Stratifying R/NR during train/test splitting. </a:t>
+            </a:r>
+          </a:p>
+          <a:p>
+            <a:pPr lvl="1"/>
+            <a:r>
+              <a:rPr lang="en-US" dirty="0"/>
+              <a:t>2. Use a simple method as a comparison: calculate R/NR ratio in each cluster to identify “phenotype related cluster”</a:t>
+            </a:r>
+          </a:p>
+          <a:p>
+            <a:r>
+              <a:rPr lang="en-US" dirty="0" err="1"/>
+              <a:t>saf</a:t>
+            </a:r>
+            <a:endParaRPr lang="en-US" dirty="0"/>
+          </a:p>
+        </p:txBody>
+      </p:sp>
+      <p:sp>
+        <p:nvSpPr>
+          <p:cNvPr id="4" name="Slide Number Placeholder 3">
+            <a:extLst>
+              <a:ext uri="{FF2B5EF4-FFF2-40B4-BE49-F238E27FC236}">
+                <a16:creationId xmlns:a16="http://schemas.microsoft.com/office/drawing/2014/main" id="{8181BAB9-1899-DC13-B417-41F4164E6954}"/>
+              </a:ext>
+            </a:extLst>
+          </p:cNvPr>
+          <p:cNvSpPr>
+            <a:spLocks noGrp="1"/>
+          </p:cNvSpPr>
+          <p:nvPr>
+            <p:ph type="sldNum" sz="quarter" idx="12"/>
+          </p:nvPr>
+        </p:nvSpPr>
+        <p:spPr/>
+        <p:txBody>
+          <a:bodyPr/>
+          <a:lstStyle/>
+          <a:p>
+            <a:fld id="{AD169837-3143-44FA-94C6-B5220B265883}" type="slidenum">
+              <a:rPr lang="en-US" smtClean="0"/>
+              <a:t>4</a:t>
+            </a:fld>
+            <a:endParaRPr lang="en-US"/>
+          </a:p>
+        </p:txBody>
+      </p:sp>
+    </p:spTree>
+    <p:extLst>
+      <p:ext uri="{BB962C8B-B14F-4D97-AF65-F5344CB8AC3E}">
+        <p14:creationId xmlns:p14="http://schemas.microsoft.com/office/powerpoint/2010/main" val="1345521328"/>
+      </p:ext>
+    </p:extLst>
+  </p:cSld>
+  <p:clrMapOvr>
+    <a:masterClrMapping/>
+  </p:clrMapOvr>
+</p:sld>
+</file>
+
+<file path=ppt/slides/slide5.xml><?xml version="1.0" encoding="utf-8"?>
+<p:sld xmlns:a="http://schemas.openxmlformats.org/drawingml/2006/main" xmlns:r="http://schemas.openxmlformats.org/officeDocument/2006/relationships" xmlns:p="http://schemas.openxmlformats.org/presentationml/2006/main">
+  <p:cSld>
+    <p:spTree>
+      <p:nvGrpSpPr>
+        <p:cNvPr id="1" name=""/>
+        <p:cNvGrpSpPr/>
+        <p:nvPr/>
+      </p:nvGrpSpPr>
+      <p:grpSpPr>
+        <a:xfrm>
+          <a:off x="0" y="0"/>
+          <a:ext cx="0" cy="0"/>
+          <a:chOff x="0" y="0"/>
+          <a:chExt cx="0" cy="0"/>
+        </a:xfrm>
+      </p:grpSpPr>
+      <p:sp>
+        <p:nvSpPr>
+          <p:cNvPr id="4" name="Slide Number Placeholder 3">
+            <a:extLst>
+              <a:ext uri="{FF2B5EF4-FFF2-40B4-BE49-F238E27FC236}">
+                <a16:creationId xmlns:a16="http://schemas.microsoft.com/office/drawing/2014/main" id="{AC30DC80-BEDF-8372-4083-7520A3AD657E}"/>
+              </a:ext>
+            </a:extLst>
+          </p:cNvPr>
+          <p:cNvSpPr>
+            <a:spLocks noGrp="1"/>
+          </p:cNvSpPr>
+          <p:nvPr>
+            <p:ph type="sldNum" sz="quarter" idx="12"/>
+          </p:nvPr>
+        </p:nvSpPr>
+        <p:spPr/>
+        <p:txBody>
+          <a:bodyPr/>
+          <a:lstStyle/>
+          <a:p>
+            <a:fld id="{AD169837-3143-44FA-94C6-B5220B265883}" type="slidenum">
+              <a:rPr lang="en-US" smtClean="0"/>
+              <a:t>5</a:t>
+            </a:fld>
+            <a:endParaRPr lang="en-US"/>
+          </a:p>
+        </p:txBody>
+      </p:sp>
+      <p:pic>
+        <p:nvPicPr>
+          <p:cNvPr id="6" name="Picture 5">
+            <a:extLst>
+              <a:ext uri="{FF2B5EF4-FFF2-40B4-BE49-F238E27FC236}">
+                <a16:creationId xmlns:a16="http://schemas.microsoft.com/office/drawing/2014/main" id="{B1B4350F-9BC7-D09B-C30D-DF417F52477A}"/>
+              </a:ext>
+            </a:extLst>
+          </p:cNvPr>
+          <p:cNvPicPr>
+            <a:picLocks noChangeAspect="1"/>
+          </p:cNvPicPr>
+          <p:nvPr/>
+        </p:nvPicPr>
+        <p:blipFill>
+          <a:blip r:embed="rId2">
+            <a:extLst>
+              <a:ext uri="{28A0092B-C50C-407E-A947-70E740481C1C}">
+                <a14:useLocalDpi xmlns:a14="http://schemas.microsoft.com/office/drawing/2010/main" val="0"/>
+              </a:ext>
+            </a:extLst>
+          </a:blip>
+          <a:stretch>
+            <a:fillRect/>
+          </a:stretch>
+        </p:blipFill>
+        <p:spPr>
+          <a:xfrm>
+            <a:off x="6324600" y="907160"/>
+            <a:ext cx="5029200" cy="4318000"/>
+          </a:xfrm>
+          <a:prstGeom prst="rect">
+            <a:avLst/>
+          </a:prstGeom>
+        </p:spPr>
+      </p:pic>
+      <p:pic>
+        <p:nvPicPr>
+          <p:cNvPr id="8" name="Picture 7">
+            <a:extLst>
+              <a:ext uri="{FF2B5EF4-FFF2-40B4-BE49-F238E27FC236}">
+                <a16:creationId xmlns:a16="http://schemas.microsoft.com/office/drawing/2014/main" id="{5A13F602-BEAC-F93F-FB2A-E614A0DC6424}"/>
+              </a:ext>
+            </a:extLst>
+          </p:cNvPr>
+          <p:cNvPicPr>
+            <a:picLocks noChangeAspect="1"/>
+          </p:cNvPicPr>
+          <p:nvPr/>
+        </p:nvPicPr>
+        <p:blipFill>
+          <a:blip r:embed="rId3">
+            <a:extLst>
+              <a:ext uri="{28A0092B-C50C-407E-A947-70E740481C1C}">
+                <a14:useLocalDpi xmlns:a14="http://schemas.microsoft.com/office/drawing/2010/main" val="0"/>
+              </a:ext>
+            </a:extLst>
+          </a:blip>
+          <a:stretch>
+            <a:fillRect/>
+          </a:stretch>
+        </p:blipFill>
+        <p:spPr>
+          <a:xfrm>
+            <a:off x="449484" y="907160"/>
+            <a:ext cx="5029200" cy="4318000"/>
+          </a:xfrm>
+          <a:prstGeom prst="rect">
+            <a:avLst/>
+          </a:prstGeom>
+        </p:spPr>
+      </p:pic>
+      <p:sp>
+        <p:nvSpPr>
+          <p:cNvPr id="9" name="TextBox 8">
+            <a:extLst>
+              <a:ext uri="{FF2B5EF4-FFF2-40B4-BE49-F238E27FC236}">
+                <a16:creationId xmlns:a16="http://schemas.microsoft.com/office/drawing/2014/main" id="{2685BE39-EBB5-C303-8DAF-634248DA9525}"/>
+              </a:ext>
+            </a:extLst>
+          </p:cNvPr>
+          <p:cNvSpPr txBox="1"/>
+          <p:nvPr/>
+        </p:nvSpPr>
+        <p:spPr>
+          <a:xfrm>
+            <a:off x="1828800" y="5486400"/>
+            <a:ext cx="3092963" cy="369332"/>
+          </a:xfrm>
+          <a:prstGeom prst="rect">
+            <a:avLst/>
+          </a:prstGeom>
+          <a:noFill/>
+        </p:spPr>
+        <p:txBody>
+          <a:bodyPr wrap="none" rtlCol="0">
+            <a:spAutoFit/>
+          </a:bodyPr>
+          <a:lstStyle/>
+          <a:p>
+            <a:r>
+              <a:rPr lang="en-US" dirty="0"/>
+              <a:t>New pipeline (8056 CD8T cells)</a:t>
+            </a:r>
+          </a:p>
+        </p:txBody>
+      </p:sp>
+      <p:sp>
+        <p:nvSpPr>
+          <p:cNvPr id="10" name="TextBox 9">
+            <a:extLst>
+              <a:ext uri="{FF2B5EF4-FFF2-40B4-BE49-F238E27FC236}">
+                <a16:creationId xmlns:a16="http://schemas.microsoft.com/office/drawing/2014/main" id="{17E43059-6633-B1AE-C219-9A87A111EF4E}"/>
+              </a:ext>
+            </a:extLst>
+          </p:cNvPr>
+          <p:cNvSpPr txBox="1"/>
+          <p:nvPr/>
+        </p:nvSpPr>
+        <p:spPr>
+          <a:xfrm>
+            <a:off x="7557052" y="5486400"/>
+            <a:ext cx="3191899" cy="369332"/>
+          </a:xfrm>
+          <a:prstGeom prst="rect">
+            <a:avLst/>
+          </a:prstGeom>
+          <a:noFill/>
+        </p:spPr>
+        <p:txBody>
+          <a:bodyPr wrap="none" rtlCol="0">
+            <a:spAutoFit/>
+          </a:bodyPr>
+          <a:lstStyle/>
+          <a:p>
+            <a:r>
+              <a:rPr lang="en-US" dirty="0"/>
+              <a:t>Original paper (6350 CD8T cells)</a:t>
+            </a:r>
+          </a:p>
+        </p:txBody>
+      </p:sp>
+      <p:sp>
+        <p:nvSpPr>
+          <p:cNvPr id="11" name="TextBox 10">
+            <a:extLst>
+              <a:ext uri="{FF2B5EF4-FFF2-40B4-BE49-F238E27FC236}">
+                <a16:creationId xmlns:a16="http://schemas.microsoft.com/office/drawing/2014/main" id="{1F25C690-F919-2C24-FF7B-69CF25B74724}"/>
+              </a:ext>
+            </a:extLst>
+          </p:cNvPr>
+          <p:cNvSpPr txBox="1"/>
+          <p:nvPr/>
+        </p:nvSpPr>
+        <p:spPr>
+          <a:xfrm>
+            <a:off x="0" y="0"/>
+            <a:ext cx="3345147" cy="369332"/>
+          </a:xfrm>
+          <a:prstGeom prst="rect">
+            <a:avLst/>
+          </a:prstGeom>
+          <a:noFill/>
+        </p:spPr>
+        <p:txBody>
+          <a:bodyPr wrap="none" rtlCol="0">
+            <a:spAutoFit/>
+          </a:bodyPr>
+          <a:lstStyle/>
+          <a:p>
+            <a:r>
+              <a:rPr lang="en-US" b="1" dirty="0"/>
+              <a:t>GSE120575: extracting CD8T cells</a:t>
+            </a:r>
+          </a:p>
+        </p:txBody>
+      </p:sp>
+    </p:spTree>
+    <p:extLst>
+      <p:ext uri="{BB962C8B-B14F-4D97-AF65-F5344CB8AC3E}">
+        <p14:creationId xmlns:p14="http://schemas.microsoft.com/office/powerpoint/2010/main" val="2329568935"/>
+      </p:ext>
+    </p:extLst>
+  </p:cSld>
+  <p:clrMapOvr>
+    <a:masterClrMapping/>
+  </p:clrMapOvr>
+</p:sld>
+</file>
+
+<file path=ppt/slides/slide6.xml><?xml version="1.0" encoding="utf-8"?>
+<p:sld xmlns:a="http://schemas.openxmlformats.org/drawingml/2006/main" xmlns:r="http://schemas.openxmlformats.org/officeDocument/2006/relationships" xmlns:p="http://schemas.openxmlformats.org/presentationml/2006/main">
+  <p:cSld>
+    <p:spTree>
+      <p:nvGrpSpPr>
+        <p:cNvPr id="1" name=""/>
+        <p:cNvGrpSpPr/>
+        <p:nvPr/>
+      </p:nvGrpSpPr>
+      <p:grpSpPr>
+        <a:xfrm>
+          <a:off x="0" y="0"/>
+          <a:ext cx="0" cy="0"/>
+          <a:chOff x="0" y="0"/>
+          <a:chExt cx="0" cy="0"/>
+        </a:xfrm>
+      </p:grpSpPr>
+      <p:sp>
+        <p:nvSpPr>
+          <p:cNvPr id="4" name="Slide Number Placeholder 3">
+            <a:extLst>
+              <a:ext uri="{FF2B5EF4-FFF2-40B4-BE49-F238E27FC236}">
+                <a16:creationId xmlns:a16="http://schemas.microsoft.com/office/drawing/2014/main" id="{AC30DC80-BEDF-8372-4083-7520A3AD657E}"/>
+              </a:ext>
+            </a:extLst>
+          </p:cNvPr>
+          <p:cNvSpPr>
+            <a:spLocks noGrp="1"/>
+          </p:cNvSpPr>
+          <p:nvPr>
+            <p:ph type="sldNum" sz="quarter" idx="12"/>
+          </p:nvPr>
+        </p:nvSpPr>
+        <p:spPr/>
+        <p:txBody>
+          <a:bodyPr/>
+          <a:lstStyle/>
+          <a:p>
+            <a:fld id="{AD169837-3143-44FA-94C6-B5220B265883}" type="slidenum">
+              <a:rPr lang="en-US" smtClean="0"/>
+              <a:t>6</a:t>
+            </a:fld>
+            <a:endParaRPr lang="en-US"/>
+          </a:p>
+        </p:txBody>
+      </p:sp>
+      <p:sp>
+        <p:nvSpPr>
+          <p:cNvPr id="2" name="TextBox 1">
+            <a:extLst>
+              <a:ext uri="{FF2B5EF4-FFF2-40B4-BE49-F238E27FC236}">
+                <a16:creationId xmlns:a16="http://schemas.microsoft.com/office/drawing/2014/main" id="{04A26AF3-0100-4B2B-E120-D0E3DF33E1A6}"/>
+              </a:ext>
+            </a:extLst>
+          </p:cNvPr>
+          <p:cNvSpPr txBox="1"/>
+          <p:nvPr/>
+        </p:nvSpPr>
+        <p:spPr>
+          <a:xfrm>
+            <a:off x="0" y="0"/>
+            <a:ext cx="6917022" cy="369332"/>
+          </a:xfrm>
+          <a:prstGeom prst="rect">
+            <a:avLst/>
+          </a:prstGeom>
+          <a:noFill/>
+        </p:spPr>
+        <p:txBody>
+          <a:bodyPr wrap="none" rtlCol="0">
+            <a:spAutoFit/>
+          </a:bodyPr>
+          <a:lstStyle/>
+          <a:p>
+            <a:r>
+              <a:rPr lang="en-US" b="1" dirty="0"/>
+              <a:t>GSE120575: CANNOT reproduce PENCIL result with default parameters</a:t>
+            </a:r>
+          </a:p>
+        </p:txBody>
+      </p:sp>
+      <p:pic>
+        <p:nvPicPr>
+          <p:cNvPr id="5" name="Picture 4">
+            <a:extLst>
+              <a:ext uri="{FF2B5EF4-FFF2-40B4-BE49-F238E27FC236}">
+                <a16:creationId xmlns:a16="http://schemas.microsoft.com/office/drawing/2014/main" id="{5C0E80C9-9027-ED26-6B39-158E8BFD5887}"/>
+              </a:ext>
+            </a:extLst>
+          </p:cNvPr>
+          <p:cNvPicPr>
+            <a:picLocks noChangeAspect="1"/>
+          </p:cNvPicPr>
+          <p:nvPr/>
+        </p:nvPicPr>
+        <p:blipFill>
+          <a:blip r:embed="rId2">
+            <a:extLst>
+              <a:ext uri="{28A0092B-C50C-407E-A947-70E740481C1C}">
+                <a14:useLocalDpi xmlns:a14="http://schemas.microsoft.com/office/drawing/2010/main" val="0"/>
+              </a:ext>
+            </a:extLst>
+          </a:blip>
+          <a:stretch>
+            <a:fillRect/>
+          </a:stretch>
+        </p:blipFill>
+        <p:spPr>
+          <a:xfrm>
+            <a:off x="7213600" y="2438400"/>
+            <a:ext cx="4978400" cy="4419600"/>
+          </a:xfrm>
+          <a:prstGeom prst="rect">
+            <a:avLst/>
+          </a:prstGeom>
+        </p:spPr>
+      </p:pic>
+      <p:pic>
+        <p:nvPicPr>
+          <p:cNvPr id="7" name="Picture 6">
+            <a:extLst>
+              <a:ext uri="{FF2B5EF4-FFF2-40B4-BE49-F238E27FC236}">
+                <a16:creationId xmlns:a16="http://schemas.microsoft.com/office/drawing/2014/main" id="{A9A514CD-D8FE-4080-DE54-4AC4280D35B6}"/>
+              </a:ext>
+            </a:extLst>
+          </p:cNvPr>
+          <p:cNvPicPr>
+            <a:picLocks noChangeAspect="1"/>
+          </p:cNvPicPr>
+          <p:nvPr/>
+        </p:nvPicPr>
+        <p:blipFill>
+          <a:blip r:embed="rId3">
+            <a:extLst>
+              <a:ext uri="{28A0092B-C50C-407E-A947-70E740481C1C}">
+                <a14:useLocalDpi xmlns:a14="http://schemas.microsoft.com/office/drawing/2010/main" val="0"/>
+              </a:ext>
+            </a:extLst>
+          </a:blip>
+          <a:stretch>
+            <a:fillRect/>
+          </a:stretch>
+        </p:blipFill>
+        <p:spPr>
+          <a:xfrm>
+            <a:off x="0" y="459106"/>
+            <a:ext cx="4820832" cy="5049078"/>
+          </a:xfrm>
+          <a:prstGeom prst="rect">
+            <a:avLst/>
+          </a:prstGeom>
+        </p:spPr>
+      </p:pic>
+      <p:pic>
+        <p:nvPicPr>
+          <p:cNvPr id="9" name="Picture 8">
+            <a:extLst>
+              <a:ext uri="{FF2B5EF4-FFF2-40B4-BE49-F238E27FC236}">
+                <a16:creationId xmlns:a16="http://schemas.microsoft.com/office/drawing/2014/main" id="{BB13468E-F0DC-2471-D33E-1B41810C731C}"/>
+              </a:ext>
+            </a:extLst>
+          </p:cNvPr>
+          <p:cNvPicPr>
+            <a:picLocks noChangeAspect="1"/>
+          </p:cNvPicPr>
+          <p:nvPr/>
+        </p:nvPicPr>
+        <p:blipFill>
+          <a:blip r:embed="rId4">
+            <a:extLst>
+              <a:ext uri="{28A0092B-C50C-407E-A947-70E740481C1C}">
+                <a14:useLocalDpi xmlns:a14="http://schemas.microsoft.com/office/drawing/2010/main" val="0"/>
+              </a:ext>
+            </a:extLst>
+          </a:blip>
+          <a:stretch>
+            <a:fillRect/>
+          </a:stretch>
+        </p:blipFill>
+        <p:spPr>
+          <a:xfrm>
+            <a:off x="4921121" y="459106"/>
+            <a:ext cx="7270879" cy="1979294"/>
+          </a:xfrm>
+          <a:prstGeom prst="rect">
+            <a:avLst/>
+          </a:prstGeom>
+        </p:spPr>
+      </p:pic>
+    </p:spTree>
+    <p:extLst>
+      <p:ext uri="{BB962C8B-B14F-4D97-AF65-F5344CB8AC3E}">
+        <p14:creationId xmlns:p14="http://schemas.microsoft.com/office/powerpoint/2010/main" val="379030918"/>
+      </p:ext>
+    </p:extLst>
+  </p:cSld>
+  <p:clrMapOvr>
+    <a:masterClrMapping/>
+  </p:clrMapOvr>
+</p:sld>
+</file>
+
+<file path=ppt/slides/slide7.xml><?xml version="1.0" encoding="utf-8"?>
+<p:sld xmlns:a="http://schemas.openxmlformats.org/drawingml/2006/main" xmlns:r="http://schemas.openxmlformats.org/officeDocument/2006/relationships" xmlns:p="http://schemas.openxmlformats.org/presentationml/2006/main">
+  <p:cSld>
+    <p:spTree>
+      <p:nvGrpSpPr>
+        <p:cNvPr id="1" name=""/>
+        <p:cNvGrpSpPr/>
+        <p:nvPr/>
+      </p:nvGrpSpPr>
+      <p:grpSpPr>
+        <a:xfrm>
+          <a:off x="0" y="0"/>
+          <a:ext cx="0" cy="0"/>
+          <a:chOff x="0" y="0"/>
+          <a:chExt cx="0" cy="0"/>
+        </a:xfrm>
+      </p:grpSpPr>
+      <p:sp>
+        <p:nvSpPr>
+          <p:cNvPr id="4" name="Slide Number Placeholder 3">
+            <a:extLst>
+              <a:ext uri="{FF2B5EF4-FFF2-40B4-BE49-F238E27FC236}">
+                <a16:creationId xmlns:a16="http://schemas.microsoft.com/office/drawing/2014/main" id="{AC30DC80-BEDF-8372-4083-7520A3AD657E}"/>
+              </a:ext>
+            </a:extLst>
+          </p:cNvPr>
+          <p:cNvSpPr>
+            <a:spLocks noGrp="1"/>
+          </p:cNvSpPr>
+          <p:nvPr>
+            <p:ph type="sldNum" sz="quarter" idx="12"/>
+          </p:nvPr>
+        </p:nvSpPr>
+        <p:spPr/>
+        <p:txBody>
+          <a:bodyPr/>
+          <a:lstStyle/>
+          <a:p>
+            <a:fld id="{AD169837-3143-44FA-94C6-B5220B265883}" type="slidenum">
+              <a:rPr lang="en-US" smtClean="0"/>
+              <a:t>7</a:t>
+            </a:fld>
+            <a:endParaRPr lang="en-US"/>
+          </a:p>
+        </p:txBody>
+      </p:sp>
+    </p:spTree>
+    <p:extLst>
+      <p:ext uri="{BB962C8B-B14F-4D97-AF65-F5344CB8AC3E}">
+        <p14:creationId xmlns:p14="http://schemas.microsoft.com/office/powerpoint/2010/main" val="2883963584"/>
+      </p:ext>
+    </p:extLst>
+  </p:cSld>
+  <p:clrMapOvr>
+    <a:masterClrMapping/>
+  </p:clrMapOvr>
+</p:sld>
+</file>
+
+<file path=ppt/slides/slide8.xml><?xml version="1.0" encoding="utf-8"?>
+<p:sld xmlns:a="http://schemas.openxmlformats.org/drawingml/2006/main" xmlns:r="http://schemas.openxmlformats.org/officeDocument/2006/relationships" xmlns:p="http://schemas.openxmlformats.org/presentationml/2006/main">
+  <p:cSld>
+    <p:spTree>
+      <p:nvGrpSpPr>
+        <p:cNvPr id="1" name=""/>
+        <p:cNvGrpSpPr/>
+        <p:nvPr/>
+      </p:nvGrpSpPr>
+      <p:grpSpPr>
+        <a:xfrm>
+          <a:off x="0" y="0"/>
+          <a:ext cx="0" cy="0"/>
+          <a:chOff x="0" y="0"/>
+          <a:chExt cx="0" cy="0"/>
+        </a:xfrm>
+      </p:grpSpPr>
+      <p:sp>
+        <p:nvSpPr>
+          <p:cNvPr id="4" name="Slide Number Placeholder 3">
+            <a:extLst>
+              <a:ext uri="{FF2B5EF4-FFF2-40B4-BE49-F238E27FC236}">
+                <a16:creationId xmlns:a16="http://schemas.microsoft.com/office/drawing/2014/main" id="{AC30DC80-BEDF-8372-4083-7520A3AD657E}"/>
+              </a:ext>
+            </a:extLst>
+          </p:cNvPr>
+          <p:cNvSpPr>
+            <a:spLocks noGrp="1"/>
+          </p:cNvSpPr>
+          <p:nvPr>
+            <p:ph type="sldNum" sz="quarter" idx="12"/>
+          </p:nvPr>
+        </p:nvSpPr>
+        <p:spPr/>
+        <p:txBody>
+          <a:bodyPr/>
+          <a:lstStyle/>
+          <a:p>
+            <a:fld id="{AD169837-3143-44FA-94C6-B5220B265883}" type="slidenum">
+              <a:rPr lang="en-US" smtClean="0"/>
+              <a:t>8</a:t>
+            </a:fld>
+            <a:endParaRPr lang="en-US"/>
+          </a:p>
+        </p:txBody>
+      </p:sp>
+    </p:spTree>
+    <p:extLst>
+      <p:ext uri="{BB962C8B-B14F-4D97-AF65-F5344CB8AC3E}">
+        <p14:creationId xmlns:p14="http://schemas.microsoft.com/office/powerpoint/2010/main" val="3583755307"/>
+      </p:ext>
+    </p:extLst>
+  </p:cSld>
+  <p:clrMapOvr>
+    <a:masterClrMapping/>
+  </p:clrMapOvr>
+</p:sld>
+</file>
+
+<file path=ppt/slides/slide9.xml><?xml version="1.0" encoding="utf-8"?>
+<p:sld xmlns:a="http://schemas.openxmlformats.org/drawingml/2006/main" xmlns:r="http://schemas.openxmlformats.org/officeDocument/2006/relationships" xmlns:p="http://schemas.openxmlformats.org/presentationml/2006/main">
+  <p:cSld>
+    <p:spTree>
+      <p:nvGrpSpPr>
+        <p:cNvPr id="1" name=""/>
+        <p:cNvGrpSpPr/>
+        <p:nvPr/>
+      </p:nvGrpSpPr>
+      <p:grpSpPr>
+        <a:xfrm>
+          <a:off x="0" y="0"/>
+          <a:ext cx="0" cy="0"/>
+          <a:chOff x="0" y="0"/>
+          <a:chExt cx="0" cy="0"/>
+        </a:xfrm>
+      </p:grpSpPr>
+      <p:sp>
+        <p:nvSpPr>
+          <p:cNvPr id="4" name="Slide Number Placeholder 3">
+            <a:extLst>
+              <a:ext uri="{FF2B5EF4-FFF2-40B4-BE49-F238E27FC236}">
+                <a16:creationId xmlns:a16="http://schemas.microsoft.com/office/drawing/2014/main" id="{AC30DC80-BEDF-8372-4083-7520A3AD657E}"/>
+              </a:ext>
+            </a:extLst>
+          </p:cNvPr>
+          <p:cNvSpPr>
+            <a:spLocks noGrp="1"/>
+          </p:cNvSpPr>
+          <p:nvPr>
+            <p:ph type="sldNum" sz="quarter" idx="12"/>
+          </p:nvPr>
+        </p:nvSpPr>
+        <p:spPr/>
+        <p:txBody>
+          <a:bodyPr/>
+          <a:lstStyle/>
+          <a:p>
+            <a:fld id="{AD169837-3143-44FA-94C6-B5220B265883}" type="slidenum">
+              <a:rPr lang="en-US" smtClean="0"/>
+              <a:t>9</a:t>
+            </a:fld>
+            <a:endParaRPr lang="en-US"/>
+          </a:p>
+        </p:txBody>
+      </p:sp>
+    </p:spTree>
+    <p:extLst>
+      <p:ext uri="{BB962C8B-B14F-4D97-AF65-F5344CB8AC3E}">
+        <p14:creationId xmlns:p14="http://schemas.microsoft.com/office/powerpoint/2010/main" val="2046797108"/>
       </p:ext>
     </p:extLst>
   </p:cSld>

--- a/WorkReport.pptx
+++ b/WorkReport.pptx
@@ -5,22 +5,25 @@
     <p:sldMasterId id="2147483672" r:id="rId1"/>
   </p:sldMasterIdLst>
   <p:notesMasterIdLst>
-    <p:notesMasterId r:id="rId15"/>
+    <p:notesMasterId r:id="rId18"/>
   </p:notesMasterIdLst>
   <p:sldIdLst>
     <p:sldId id="256" r:id="rId2"/>
     <p:sldId id="257" r:id="rId3"/>
-    <p:sldId id="258" r:id="rId4"/>
-    <p:sldId id="268" r:id="rId5"/>
-    <p:sldId id="259" r:id="rId6"/>
-    <p:sldId id="260" r:id="rId7"/>
-    <p:sldId id="261" r:id="rId8"/>
-    <p:sldId id="262" r:id="rId9"/>
-    <p:sldId id="263" r:id="rId10"/>
-    <p:sldId id="264" r:id="rId11"/>
-    <p:sldId id="265" r:id="rId12"/>
-    <p:sldId id="266" r:id="rId13"/>
-    <p:sldId id="267" r:id="rId14"/>
+    <p:sldId id="271" r:id="rId4"/>
+    <p:sldId id="258" r:id="rId5"/>
+    <p:sldId id="268" r:id="rId6"/>
+    <p:sldId id="259" r:id="rId7"/>
+    <p:sldId id="260" r:id="rId8"/>
+    <p:sldId id="261" r:id="rId9"/>
+    <p:sldId id="270" r:id="rId10"/>
+    <p:sldId id="269" r:id="rId11"/>
+    <p:sldId id="262" r:id="rId12"/>
+    <p:sldId id="263" r:id="rId13"/>
+    <p:sldId id="264" r:id="rId14"/>
+    <p:sldId id="265" r:id="rId15"/>
+    <p:sldId id="266" r:id="rId16"/>
+    <p:sldId id="267" r:id="rId17"/>
   </p:sldIdLst>
   <p:sldSz cx="12192000" cy="6858000"/>
   <p:notesSz cx="6858000" cy="9144000"/>
@@ -3570,8 +3573,19 @@
                 <a:latin typeface="Arial" panose="020B0604020202020204" pitchFamily="34" charset="0"/>
                 <a:cs typeface="Arial" panose="020B0604020202020204" pitchFamily="34" charset="0"/>
               </a:rPr>
-              <a:t>Chang</a:t>
-            </a:r>
+              <a:t>Chang, Sahil </a:t>
+            </a:r>
+            <a:r>
+              <a:rPr lang="en-US" altLang="zh-CN" dirty="0" err="1">
+                <a:latin typeface="Arial" panose="020B0604020202020204" pitchFamily="34" charset="0"/>
+                <a:cs typeface="Arial" panose="020B0604020202020204" pitchFamily="34" charset="0"/>
+              </a:rPr>
+              <a:t>Sahni</a:t>
+            </a:r>
+            <a:endParaRPr lang="en-US" altLang="zh-CN" dirty="0">
+              <a:latin typeface="Arial" panose="020B0604020202020204" pitchFamily="34" charset="0"/>
+              <a:cs typeface="Arial" panose="020B0604020202020204" pitchFamily="34" charset="0"/>
+            </a:endParaRPr>
           </a:p>
           <a:p>
             <a:pPr algn="r"/>
@@ -3644,10 +3658,471 @@
           </a:p>
         </p:txBody>
       </p:sp>
+      <p:sp>
+        <p:nvSpPr>
+          <p:cNvPr id="11" name="TextBox 10">
+            <a:extLst>
+              <a:ext uri="{FF2B5EF4-FFF2-40B4-BE49-F238E27FC236}">
+                <a16:creationId xmlns:a16="http://schemas.microsoft.com/office/drawing/2014/main" id="{1F25C690-F919-2C24-FF7B-69CF25B74724}"/>
+              </a:ext>
+            </a:extLst>
+          </p:cNvPr>
+          <p:cNvSpPr txBox="1"/>
+          <p:nvPr/>
+        </p:nvSpPr>
+        <p:spPr>
+          <a:xfrm>
+            <a:off x="0" y="0"/>
+            <a:ext cx="2639505" cy="369332"/>
+          </a:xfrm>
+          <a:prstGeom prst="rect">
+            <a:avLst/>
+          </a:prstGeom>
+          <a:noFill/>
+        </p:spPr>
+        <p:txBody>
+          <a:bodyPr wrap="none" rtlCol="0">
+            <a:spAutoFit/>
+          </a:bodyPr>
+          <a:lstStyle/>
+          <a:p>
+            <a:r>
+              <a:rPr lang="en-US" b="1" dirty="0"/>
+              <a:t>GSE200996: PENCIL result</a:t>
+            </a:r>
+          </a:p>
+        </p:txBody>
+      </p:sp>
+      <p:pic>
+        <p:nvPicPr>
+          <p:cNvPr id="3" name="Picture 2">
+            <a:extLst>
+              <a:ext uri="{FF2B5EF4-FFF2-40B4-BE49-F238E27FC236}">
+                <a16:creationId xmlns:a16="http://schemas.microsoft.com/office/drawing/2014/main" id="{D5EA2AAD-3045-76C3-FFF4-C5C4AC9AC29D}"/>
+              </a:ext>
+            </a:extLst>
+          </p:cNvPr>
+          <p:cNvPicPr>
+            <a:picLocks noChangeAspect="1"/>
+          </p:cNvPicPr>
+          <p:nvPr/>
+        </p:nvPicPr>
+        <p:blipFill>
+          <a:blip r:embed="rId2">
+            <a:extLst>
+              <a:ext uri="{28A0092B-C50C-407E-A947-70E740481C1C}">
+                <a14:useLocalDpi xmlns:a14="http://schemas.microsoft.com/office/drawing/2010/main" val="0"/>
+              </a:ext>
+            </a:extLst>
+          </a:blip>
+          <a:stretch>
+            <a:fillRect/>
+          </a:stretch>
+        </p:blipFill>
+        <p:spPr>
+          <a:xfrm>
+            <a:off x="463826" y="501650"/>
+            <a:ext cx="3031958" cy="2743200"/>
+          </a:xfrm>
+          <a:prstGeom prst="rect">
+            <a:avLst/>
+          </a:prstGeom>
+        </p:spPr>
+      </p:pic>
+      <p:pic>
+        <p:nvPicPr>
+          <p:cNvPr id="7" name="Picture 6">
+            <a:extLst>
+              <a:ext uri="{FF2B5EF4-FFF2-40B4-BE49-F238E27FC236}">
+                <a16:creationId xmlns:a16="http://schemas.microsoft.com/office/drawing/2014/main" id="{3D35FF40-B027-871E-04AF-0272FC338B80}"/>
+              </a:ext>
+            </a:extLst>
+          </p:cNvPr>
+          <p:cNvPicPr>
+            <a:picLocks noChangeAspect="1"/>
+          </p:cNvPicPr>
+          <p:nvPr/>
+        </p:nvPicPr>
+        <p:blipFill>
+          <a:blip r:embed="rId3">
+            <a:extLst>
+              <a:ext uri="{28A0092B-C50C-407E-A947-70E740481C1C}">
+                <a14:useLocalDpi xmlns:a14="http://schemas.microsoft.com/office/drawing/2010/main" val="0"/>
+              </a:ext>
+            </a:extLst>
+          </a:blip>
+          <a:stretch>
+            <a:fillRect/>
+          </a:stretch>
+        </p:blipFill>
+        <p:spPr>
+          <a:xfrm>
+            <a:off x="4307900" y="501650"/>
+            <a:ext cx="3058789" cy="2743200"/>
+          </a:xfrm>
+          <a:prstGeom prst="rect">
+            <a:avLst/>
+          </a:prstGeom>
+        </p:spPr>
+      </p:pic>
+      <p:pic>
+        <p:nvPicPr>
+          <p:cNvPr id="13" name="Picture 12">
+            <a:extLst>
+              <a:ext uri="{FF2B5EF4-FFF2-40B4-BE49-F238E27FC236}">
+                <a16:creationId xmlns:a16="http://schemas.microsoft.com/office/drawing/2014/main" id="{13C68AEC-C155-0DA8-B979-DC771F92CBE8}"/>
+              </a:ext>
+            </a:extLst>
+          </p:cNvPr>
+          <p:cNvPicPr>
+            <a:picLocks noChangeAspect="1"/>
+          </p:cNvPicPr>
+          <p:nvPr/>
+        </p:nvPicPr>
+        <p:blipFill>
+          <a:blip r:embed="rId4">
+            <a:extLst>
+              <a:ext uri="{28A0092B-C50C-407E-A947-70E740481C1C}">
+                <a14:useLocalDpi xmlns:a14="http://schemas.microsoft.com/office/drawing/2010/main" val="0"/>
+              </a:ext>
+            </a:extLst>
+          </a:blip>
+          <a:stretch>
+            <a:fillRect/>
+          </a:stretch>
+        </p:blipFill>
+        <p:spPr>
+          <a:xfrm>
+            <a:off x="8178805" y="501650"/>
+            <a:ext cx="3015916" cy="2743200"/>
+          </a:xfrm>
+          <a:prstGeom prst="rect">
+            <a:avLst/>
+          </a:prstGeom>
+        </p:spPr>
+      </p:pic>
+      <p:pic>
+        <p:nvPicPr>
+          <p:cNvPr id="15" name="Picture 14">
+            <a:extLst>
+              <a:ext uri="{FF2B5EF4-FFF2-40B4-BE49-F238E27FC236}">
+                <a16:creationId xmlns:a16="http://schemas.microsoft.com/office/drawing/2014/main" id="{58225935-2C5B-D6FD-85CE-8B915F776397}"/>
+              </a:ext>
+            </a:extLst>
+          </p:cNvPr>
+          <p:cNvPicPr>
+            <a:picLocks noChangeAspect="1"/>
+          </p:cNvPicPr>
+          <p:nvPr/>
+        </p:nvPicPr>
+        <p:blipFill>
+          <a:blip r:embed="rId5">
+            <a:extLst>
+              <a:ext uri="{28A0092B-C50C-407E-A947-70E740481C1C}">
+                <a14:useLocalDpi xmlns:a14="http://schemas.microsoft.com/office/drawing/2010/main" val="0"/>
+              </a:ext>
+            </a:extLst>
+          </a:blip>
+          <a:stretch>
+            <a:fillRect/>
+          </a:stretch>
+        </p:blipFill>
+        <p:spPr>
+          <a:xfrm>
+            <a:off x="463826" y="3613150"/>
+            <a:ext cx="3039979" cy="2743200"/>
+          </a:xfrm>
+          <a:prstGeom prst="rect">
+            <a:avLst/>
+          </a:prstGeom>
+        </p:spPr>
+      </p:pic>
+      <p:pic>
+        <p:nvPicPr>
+          <p:cNvPr id="17" name="Picture 16">
+            <a:extLst>
+              <a:ext uri="{FF2B5EF4-FFF2-40B4-BE49-F238E27FC236}">
+                <a16:creationId xmlns:a16="http://schemas.microsoft.com/office/drawing/2014/main" id="{55C5BF8D-D9B2-A43B-9A28-B1E0E594916B}"/>
+              </a:ext>
+            </a:extLst>
+          </p:cNvPr>
+          <p:cNvPicPr>
+            <a:picLocks noChangeAspect="1"/>
+          </p:cNvPicPr>
+          <p:nvPr/>
+        </p:nvPicPr>
+        <p:blipFill>
+          <a:blip r:embed="rId6">
+            <a:extLst>
+              <a:ext uri="{28A0092B-C50C-407E-A947-70E740481C1C}">
+                <a14:useLocalDpi xmlns:a14="http://schemas.microsoft.com/office/drawing/2010/main" val="0"/>
+              </a:ext>
+            </a:extLst>
+          </a:blip>
+          <a:stretch>
+            <a:fillRect/>
+          </a:stretch>
+        </p:blipFill>
+        <p:spPr>
+          <a:xfrm>
+            <a:off x="4329299" y="3613150"/>
+            <a:ext cx="3032805" cy="2743200"/>
+          </a:xfrm>
+          <a:prstGeom prst="rect">
+            <a:avLst/>
+          </a:prstGeom>
+        </p:spPr>
+      </p:pic>
+      <p:pic>
+        <p:nvPicPr>
+          <p:cNvPr id="19" name="Picture 18">
+            <a:extLst>
+              <a:ext uri="{FF2B5EF4-FFF2-40B4-BE49-F238E27FC236}">
+                <a16:creationId xmlns:a16="http://schemas.microsoft.com/office/drawing/2014/main" id="{A8EB8087-159B-4F84-C351-71A4FCFE2923}"/>
+              </a:ext>
+            </a:extLst>
+          </p:cNvPr>
+          <p:cNvPicPr>
+            <a:picLocks noChangeAspect="1"/>
+          </p:cNvPicPr>
+          <p:nvPr/>
+        </p:nvPicPr>
+        <p:blipFill>
+          <a:blip r:embed="rId7">
+            <a:extLst>
+              <a:ext uri="{28A0092B-C50C-407E-A947-70E740481C1C}">
+                <a14:useLocalDpi xmlns:a14="http://schemas.microsoft.com/office/drawing/2010/main" val="0"/>
+              </a:ext>
+            </a:extLst>
+          </a:blip>
+          <a:stretch>
+            <a:fillRect/>
+          </a:stretch>
+        </p:blipFill>
+        <p:spPr>
+          <a:xfrm>
+            <a:off x="8187598" y="3613150"/>
+            <a:ext cx="3007123" cy="2743200"/>
+          </a:xfrm>
+          <a:prstGeom prst="rect">
+            <a:avLst/>
+          </a:prstGeom>
+        </p:spPr>
+      </p:pic>
+      <p:sp>
+        <p:nvSpPr>
+          <p:cNvPr id="20" name="TextBox 19">
+            <a:extLst>
+              <a:ext uri="{FF2B5EF4-FFF2-40B4-BE49-F238E27FC236}">
+                <a16:creationId xmlns:a16="http://schemas.microsoft.com/office/drawing/2014/main" id="{DD51913F-6366-9848-8726-687278A3C452}"/>
+              </a:ext>
+            </a:extLst>
+          </p:cNvPr>
+          <p:cNvSpPr txBox="1"/>
+          <p:nvPr/>
+        </p:nvSpPr>
+        <p:spPr>
+          <a:xfrm>
+            <a:off x="1159367" y="3244334"/>
+            <a:ext cx="1314784" cy="369332"/>
+          </a:xfrm>
+          <a:prstGeom prst="rect">
+            <a:avLst/>
+          </a:prstGeom>
+          <a:noFill/>
+        </p:spPr>
+        <p:txBody>
+          <a:bodyPr wrap="none" rtlCol="0">
+            <a:spAutoFit/>
+          </a:bodyPr>
+          <a:lstStyle/>
+          <a:p>
+            <a:r>
+              <a:rPr lang="en-US" dirty="0"/>
+              <a:t>Tissue CD8T</a:t>
+            </a:r>
+          </a:p>
+        </p:txBody>
+      </p:sp>
+      <p:sp>
+        <p:nvSpPr>
+          <p:cNvPr id="21" name="TextBox 20">
+            <a:extLst>
+              <a:ext uri="{FF2B5EF4-FFF2-40B4-BE49-F238E27FC236}">
+                <a16:creationId xmlns:a16="http://schemas.microsoft.com/office/drawing/2014/main" id="{8C2981F6-A234-672E-CF26-9BDF1CE6630E}"/>
+              </a:ext>
+            </a:extLst>
+          </p:cNvPr>
+          <p:cNvSpPr txBox="1"/>
+          <p:nvPr/>
+        </p:nvSpPr>
+        <p:spPr>
+          <a:xfrm>
+            <a:off x="8986890" y="3244334"/>
+            <a:ext cx="1406154" cy="369332"/>
+          </a:xfrm>
+          <a:prstGeom prst="rect">
+            <a:avLst/>
+          </a:prstGeom>
+          <a:noFill/>
+        </p:spPr>
+        <p:txBody>
+          <a:bodyPr wrap="none" rtlCol="0">
+            <a:spAutoFit/>
+          </a:bodyPr>
+          <a:lstStyle/>
+          <a:p>
+            <a:r>
+              <a:rPr lang="en-US" dirty="0"/>
+              <a:t>Tissue B cells</a:t>
+            </a:r>
+          </a:p>
+        </p:txBody>
+      </p:sp>
+      <p:sp>
+        <p:nvSpPr>
+          <p:cNvPr id="22" name="TextBox 21">
+            <a:extLst>
+              <a:ext uri="{FF2B5EF4-FFF2-40B4-BE49-F238E27FC236}">
+                <a16:creationId xmlns:a16="http://schemas.microsoft.com/office/drawing/2014/main" id="{8208E409-B222-158F-E29E-3A41B9CEE149}"/>
+              </a:ext>
+            </a:extLst>
+          </p:cNvPr>
+          <p:cNvSpPr txBox="1"/>
+          <p:nvPr/>
+        </p:nvSpPr>
+        <p:spPr>
+          <a:xfrm>
+            <a:off x="5128591" y="3244334"/>
+            <a:ext cx="1314784" cy="369332"/>
+          </a:xfrm>
+          <a:prstGeom prst="rect">
+            <a:avLst/>
+          </a:prstGeom>
+          <a:noFill/>
+        </p:spPr>
+        <p:txBody>
+          <a:bodyPr wrap="none" rtlCol="0">
+            <a:spAutoFit/>
+          </a:bodyPr>
+          <a:lstStyle/>
+          <a:p>
+            <a:r>
+              <a:rPr lang="en-US" dirty="0"/>
+              <a:t>Tissue CD4T</a:t>
+            </a:r>
+          </a:p>
+        </p:txBody>
+      </p:sp>
+      <p:sp>
+        <p:nvSpPr>
+          <p:cNvPr id="23" name="TextBox 22">
+            <a:extLst>
+              <a:ext uri="{FF2B5EF4-FFF2-40B4-BE49-F238E27FC236}">
+                <a16:creationId xmlns:a16="http://schemas.microsoft.com/office/drawing/2014/main" id="{A603790F-C887-C2C7-4FBA-18DB8637AE9C}"/>
+              </a:ext>
+            </a:extLst>
+          </p:cNvPr>
+          <p:cNvSpPr txBox="1"/>
+          <p:nvPr/>
+        </p:nvSpPr>
+        <p:spPr>
+          <a:xfrm>
+            <a:off x="1159367" y="6385777"/>
+            <a:ext cx="1297150" cy="369332"/>
+          </a:xfrm>
+          <a:prstGeom prst="rect">
+            <a:avLst/>
+          </a:prstGeom>
+          <a:noFill/>
+        </p:spPr>
+        <p:txBody>
+          <a:bodyPr wrap="none" rtlCol="0">
+            <a:spAutoFit/>
+          </a:bodyPr>
+          <a:lstStyle/>
+          <a:p>
+            <a:r>
+              <a:rPr lang="en-US" dirty="0"/>
+              <a:t>PBMC CD8T</a:t>
+            </a:r>
+          </a:p>
+        </p:txBody>
+      </p:sp>
+      <p:sp>
+        <p:nvSpPr>
+          <p:cNvPr id="24" name="TextBox 23">
+            <a:extLst>
+              <a:ext uri="{FF2B5EF4-FFF2-40B4-BE49-F238E27FC236}">
+                <a16:creationId xmlns:a16="http://schemas.microsoft.com/office/drawing/2014/main" id="{DD5C0E66-6F13-4E52-4F4A-53E7156DE531}"/>
+              </a:ext>
+            </a:extLst>
+          </p:cNvPr>
+          <p:cNvSpPr txBox="1"/>
+          <p:nvPr/>
+        </p:nvSpPr>
+        <p:spPr>
+          <a:xfrm>
+            <a:off x="8986890" y="6385777"/>
+            <a:ext cx="1406154" cy="369332"/>
+          </a:xfrm>
+          <a:prstGeom prst="rect">
+            <a:avLst/>
+          </a:prstGeom>
+          <a:noFill/>
+        </p:spPr>
+        <p:txBody>
+          <a:bodyPr wrap="none" rtlCol="0">
+            <a:spAutoFit/>
+          </a:bodyPr>
+          <a:lstStyle/>
+          <a:p>
+            <a:r>
+              <a:rPr lang="en-US" dirty="0"/>
+              <a:t>PBMC B cells</a:t>
+            </a:r>
+          </a:p>
+        </p:txBody>
+      </p:sp>
+      <p:sp>
+        <p:nvSpPr>
+          <p:cNvPr id="25" name="TextBox 24">
+            <a:extLst>
+              <a:ext uri="{FF2B5EF4-FFF2-40B4-BE49-F238E27FC236}">
+                <a16:creationId xmlns:a16="http://schemas.microsoft.com/office/drawing/2014/main" id="{C17B9338-3A5D-3361-9AB7-1DD42F94811A}"/>
+              </a:ext>
+            </a:extLst>
+          </p:cNvPr>
+          <p:cNvSpPr txBox="1"/>
+          <p:nvPr/>
+        </p:nvSpPr>
+        <p:spPr>
+          <a:xfrm>
+            <a:off x="5128591" y="6385777"/>
+            <a:ext cx="1314784" cy="369332"/>
+          </a:xfrm>
+          <a:prstGeom prst="rect">
+            <a:avLst/>
+          </a:prstGeom>
+          <a:noFill/>
+        </p:spPr>
+        <p:txBody>
+          <a:bodyPr wrap="none" rtlCol="0">
+            <a:spAutoFit/>
+          </a:bodyPr>
+          <a:lstStyle/>
+          <a:p>
+            <a:r>
+              <a:rPr lang="en-US" dirty="0"/>
+              <a:t>PBMC CD4T</a:t>
+            </a:r>
+          </a:p>
+        </p:txBody>
+      </p:sp>
     </p:spTree>
     <p:extLst>
       <p:ext uri="{BB962C8B-B14F-4D97-AF65-F5344CB8AC3E}">
-        <p14:creationId xmlns:p14="http://schemas.microsoft.com/office/powerpoint/2010/main" val="1708610594"/>
+        <p14:creationId xmlns:p14="http://schemas.microsoft.com/office/powerpoint/2010/main" val="2894521351"/>
       </p:ext>
     </p:extLst>
   </p:cSld>
@@ -3706,7 +4181,7 @@
     </p:spTree>
     <p:extLst>
       <p:ext uri="{BB962C8B-B14F-4D97-AF65-F5344CB8AC3E}">
-        <p14:creationId xmlns:p14="http://schemas.microsoft.com/office/powerpoint/2010/main" val="1745059043"/>
+        <p14:creationId xmlns:p14="http://schemas.microsoft.com/office/powerpoint/2010/main" val="3583755307"/>
       </p:ext>
     </p:extLst>
   </p:cSld>
@@ -3765,7 +4240,7 @@
     </p:spTree>
     <p:extLst>
       <p:ext uri="{BB962C8B-B14F-4D97-AF65-F5344CB8AC3E}">
-        <p14:creationId xmlns:p14="http://schemas.microsoft.com/office/powerpoint/2010/main" val="323176756"/>
+        <p14:creationId xmlns:p14="http://schemas.microsoft.com/office/powerpoint/2010/main" val="2046797108"/>
       </p:ext>
     </p:extLst>
   </p:cSld>
@@ -3816,6 +4291,183 @@
             <a:fld id="{AD169837-3143-44FA-94C6-B5220B265883}" type="slidenum">
               <a:rPr lang="en-US" smtClean="0"/>
               <a:t>13</a:t>
+            </a:fld>
+            <a:endParaRPr lang="en-US"/>
+          </a:p>
+        </p:txBody>
+      </p:sp>
+    </p:spTree>
+    <p:extLst>
+      <p:ext uri="{BB962C8B-B14F-4D97-AF65-F5344CB8AC3E}">
+        <p14:creationId xmlns:p14="http://schemas.microsoft.com/office/powerpoint/2010/main" val="1708610594"/>
+      </p:ext>
+    </p:extLst>
+  </p:cSld>
+  <p:clrMapOvr>
+    <a:masterClrMapping/>
+  </p:clrMapOvr>
+</p:sld>
+</file>
+
+<file path=ppt/slides/slide14.xml><?xml version="1.0" encoding="utf-8"?>
+<p:sld xmlns:a="http://schemas.openxmlformats.org/drawingml/2006/main" xmlns:r="http://schemas.openxmlformats.org/officeDocument/2006/relationships" xmlns:p="http://schemas.openxmlformats.org/presentationml/2006/main">
+  <p:cSld>
+    <p:spTree>
+      <p:nvGrpSpPr>
+        <p:cNvPr id="1" name=""/>
+        <p:cNvGrpSpPr/>
+        <p:nvPr/>
+      </p:nvGrpSpPr>
+      <p:grpSpPr>
+        <a:xfrm>
+          <a:off x="0" y="0"/>
+          <a:ext cx="0" cy="0"/>
+          <a:chOff x="0" y="0"/>
+          <a:chExt cx="0" cy="0"/>
+        </a:xfrm>
+      </p:grpSpPr>
+      <p:sp>
+        <p:nvSpPr>
+          <p:cNvPr id="4" name="Slide Number Placeholder 3">
+            <a:extLst>
+              <a:ext uri="{FF2B5EF4-FFF2-40B4-BE49-F238E27FC236}">
+                <a16:creationId xmlns:a16="http://schemas.microsoft.com/office/drawing/2014/main" id="{AC30DC80-BEDF-8372-4083-7520A3AD657E}"/>
+              </a:ext>
+            </a:extLst>
+          </p:cNvPr>
+          <p:cNvSpPr>
+            <a:spLocks noGrp="1"/>
+          </p:cNvSpPr>
+          <p:nvPr>
+            <p:ph type="sldNum" sz="quarter" idx="12"/>
+          </p:nvPr>
+        </p:nvSpPr>
+        <p:spPr/>
+        <p:txBody>
+          <a:bodyPr/>
+          <a:lstStyle/>
+          <a:p>
+            <a:fld id="{AD169837-3143-44FA-94C6-B5220B265883}" type="slidenum">
+              <a:rPr lang="en-US" smtClean="0"/>
+              <a:t>14</a:t>
+            </a:fld>
+            <a:endParaRPr lang="en-US"/>
+          </a:p>
+        </p:txBody>
+      </p:sp>
+    </p:spTree>
+    <p:extLst>
+      <p:ext uri="{BB962C8B-B14F-4D97-AF65-F5344CB8AC3E}">
+        <p14:creationId xmlns:p14="http://schemas.microsoft.com/office/powerpoint/2010/main" val="1745059043"/>
+      </p:ext>
+    </p:extLst>
+  </p:cSld>
+  <p:clrMapOvr>
+    <a:masterClrMapping/>
+  </p:clrMapOvr>
+</p:sld>
+</file>
+
+<file path=ppt/slides/slide15.xml><?xml version="1.0" encoding="utf-8"?>
+<p:sld xmlns:a="http://schemas.openxmlformats.org/drawingml/2006/main" xmlns:r="http://schemas.openxmlformats.org/officeDocument/2006/relationships" xmlns:p="http://schemas.openxmlformats.org/presentationml/2006/main">
+  <p:cSld>
+    <p:spTree>
+      <p:nvGrpSpPr>
+        <p:cNvPr id="1" name=""/>
+        <p:cNvGrpSpPr/>
+        <p:nvPr/>
+      </p:nvGrpSpPr>
+      <p:grpSpPr>
+        <a:xfrm>
+          <a:off x="0" y="0"/>
+          <a:ext cx="0" cy="0"/>
+          <a:chOff x="0" y="0"/>
+          <a:chExt cx="0" cy="0"/>
+        </a:xfrm>
+      </p:grpSpPr>
+      <p:sp>
+        <p:nvSpPr>
+          <p:cNvPr id="4" name="Slide Number Placeholder 3">
+            <a:extLst>
+              <a:ext uri="{FF2B5EF4-FFF2-40B4-BE49-F238E27FC236}">
+                <a16:creationId xmlns:a16="http://schemas.microsoft.com/office/drawing/2014/main" id="{AC30DC80-BEDF-8372-4083-7520A3AD657E}"/>
+              </a:ext>
+            </a:extLst>
+          </p:cNvPr>
+          <p:cNvSpPr>
+            <a:spLocks noGrp="1"/>
+          </p:cNvSpPr>
+          <p:nvPr>
+            <p:ph type="sldNum" sz="quarter" idx="12"/>
+          </p:nvPr>
+        </p:nvSpPr>
+        <p:spPr/>
+        <p:txBody>
+          <a:bodyPr/>
+          <a:lstStyle/>
+          <a:p>
+            <a:fld id="{AD169837-3143-44FA-94C6-B5220B265883}" type="slidenum">
+              <a:rPr lang="en-US" smtClean="0"/>
+              <a:t>15</a:t>
+            </a:fld>
+            <a:endParaRPr lang="en-US"/>
+          </a:p>
+        </p:txBody>
+      </p:sp>
+    </p:spTree>
+    <p:extLst>
+      <p:ext uri="{BB962C8B-B14F-4D97-AF65-F5344CB8AC3E}">
+        <p14:creationId xmlns:p14="http://schemas.microsoft.com/office/powerpoint/2010/main" val="323176756"/>
+      </p:ext>
+    </p:extLst>
+  </p:cSld>
+  <p:clrMapOvr>
+    <a:masterClrMapping/>
+  </p:clrMapOvr>
+</p:sld>
+</file>
+
+<file path=ppt/slides/slide16.xml><?xml version="1.0" encoding="utf-8"?>
+<p:sld xmlns:a="http://schemas.openxmlformats.org/drawingml/2006/main" xmlns:r="http://schemas.openxmlformats.org/officeDocument/2006/relationships" xmlns:p="http://schemas.openxmlformats.org/presentationml/2006/main">
+  <p:cSld>
+    <p:spTree>
+      <p:nvGrpSpPr>
+        <p:cNvPr id="1" name=""/>
+        <p:cNvGrpSpPr/>
+        <p:nvPr/>
+      </p:nvGrpSpPr>
+      <p:grpSpPr>
+        <a:xfrm>
+          <a:off x="0" y="0"/>
+          <a:ext cx="0" cy="0"/>
+          <a:chOff x="0" y="0"/>
+          <a:chExt cx="0" cy="0"/>
+        </a:xfrm>
+      </p:grpSpPr>
+      <p:sp>
+        <p:nvSpPr>
+          <p:cNvPr id="4" name="Slide Number Placeholder 3">
+            <a:extLst>
+              <a:ext uri="{FF2B5EF4-FFF2-40B4-BE49-F238E27FC236}">
+                <a16:creationId xmlns:a16="http://schemas.microsoft.com/office/drawing/2014/main" id="{AC30DC80-BEDF-8372-4083-7520A3AD657E}"/>
+              </a:ext>
+            </a:extLst>
+          </p:cNvPr>
+          <p:cNvSpPr>
+            <a:spLocks noGrp="1"/>
+          </p:cNvSpPr>
+          <p:nvPr>
+            <p:ph type="sldNum" sz="quarter" idx="12"/>
+          </p:nvPr>
+        </p:nvSpPr>
+        <p:spPr/>
+        <p:txBody>
+          <a:bodyPr/>
+          <a:lstStyle/>
+          <a:p>
+            <a:fld id="{AD169837-3143-44FA-94C6-B5220B265883}" type="slidenum">
+              <a:rPr lang="en-US" smtClean="0"/>
+              <a:t>16</a:t>
             </a:fld>
             <a:endParaRPr lang="en-US"/>
           </a:p>
@@ -3874,7 +4526,7 @@
           <a:p>
             <a:r>
               <a:rPr lang="en-US" dirty="0"/>
-              <a:t>Pipeline</a:t>
+              <a:t>To do list</a:t>
             </a:r>
           </a:p>
         </p:txBody>
@@ -3909,31 +4561,33 @@
           <a:p>
             <a:r>
               <a:rPr lang="en-US" dirty="0"/>
-              <a:t>Step 0: Raw data preprocessing, QC, normalization, cell annotation (use original annotation if provided with paper, e.g. GSE120575 CD8T)</a:t>
-            </a:r>
+              <a:t>Get response from the PENCIL authors about the reproducibility on the melanoma data GSE120575</a:t>
+            </a:r>
+          </a:p>
+          <a:p>
+            <a:endParaRPr lang="en-US" dirty="0"/>
           </a:p>
           <a:p>
             <a:r>
               <a:rPr lang="en-US" dirty="0"/>
-              <a:t>Step 1: Add phenotype info. to Seurat object</a:t>
-            </a:r>
-          </a:p>
-          <a:p>
+              <a:t>Get at least one </a:t>
+            </a:r>
+            <a:r>
+              <a:rPr lang="en-US" dirty="0" err="1"/>
+              <a:t>scRNAseq</a:t>
+            </a:r>
             <a:r>
               <a:rPr lang="en-US" dirty="0"/>
-              <a:t>Step 2: Subset to cell types of interest (e.g., CD4T, CD8T, B cells), and save to .h5ad</a:t>
-            </a:r>
+              <a:t> dataset with ICB response information for HNSCC or TNBC or melanoma</a:t>
+            </a:r>
+          </a:p>
+          <a:p>
+            <a:endParaRPr lang="en-US" dirty="0"/>
           </a:p>
           <a:p>
             <a:r>
               <a:rPr lang="en-US" dirty="0"/>
-              <a:t>Step 3: Run PENCIL</a:t>
-            </a:r>
-          </a:p>
-          <a:p>
-            <a:r>
-              <a:rPr lang="en-US" dirty="0"/>
-              <a:t>Step 4: Downstream analysis of phenotype-related cells</a:t>
+              <a:t>Functional analysis of phenotype-related cells identified by PENCIL to get biological insights from the results</a:t>
             </a:r>
           </a:p>
         </p:txBody>
@@ -4020,7 +4674,7 @@
           <a:p>
             <a:r>
               <a:rPr lang="en-US" dirty="0"/>
-              <a:t>Results</a:t>
+              <a:t>Pipeline</a:t>
             </a:r>
           </a:p>
         </p:txBody>
@@ -4055,29 +4709,32 @@
           <a:p>
             <a:r>
               <a:rPr lang="en-US" dirty="0"/>
-              <a:t>1. Ratio between phenotype-related cells (yes/no) may be used to predict phenotype of a patient (e.g. ICB response)</a:t>
+              <a:t>Step 0: Raw data preprocessing, QC, normalization, cell annotation (use original annotation if provided with paper, e.g. GSE120575 CD8T)</a:t>
             </a:r>
           </a:p>
           <a:p>
             <a:r>
               <a:rPr lang="en-US" dirty="0"/>
-              <a:t>2. Marker gene analysis of phenotype-related cells</a:t>
+              <a:t>Step 1: Add phenotype info. to Seurat object</a:t>
             </a:r>
           </a:p>
           <a:p>
             <a:r>
               <a:rPr lang="en-US" dirty="0"/>
-              <a:t>3. functional (GO/pathway) analysis of genes/cells</a:t>
+              <a:t>Step 2: Subset to cell types of interest (e.g., CD4T, CD8T, B cells), and save to .h5ad</a:t>
             </a:r>
           </a:p>
           <a:p>
             <a:r>
               <a:rPr lang="en-US" dirty="0"/>
-              <a:t>4. Simple </a:t>
-            </a:r>
-          </a:p>
-          <a:p>
-            <a:endParaRPr lang="en-US" dirty="0"/>
+              <a:t>Step 3: Run PENCIL</a:t>
+            </a:r>
+          </a:p>
+          <a:p>
+            <a:r>
+              <a:rPr lang="en-US" dirty="0"/>
+              <a:t>Step 4: Downstream analysis of phenotype-related cells</a:t>
+            </a:r>
           </a:p>
         </p:txBody>
       </p:sp>
@@ -4113,7 +4770,7 @@
     </p:spTree>
     <p:extLst>
       <p:ext uri="{BB962C8B-B14F-4D97-AF65-F5344CB8AC3E}">
-        <p14:creationId xmlns:p14="http://schemas.microsoft.com/office/powerpoint/2010/main" val="1201870681"/>
+        <p14:creationId xmlns:p14="http://schemas.microsoft.com/office/powerpoint/2010/main" val="4149631684"/>
       </p:ext>
     </p:extLst>
   </p:cSld>
@@ -4163,7 +4820,7 @@
           <a:p>
             <a:r>
               <a:rPr lang="en-US" dirty="0"/>
-              <a:t>Idea</a:t>
+              <a:t>Planned results for the manuscript</a:t>
             </a:r>
           </a:p>
         </p:txBody>
@@ -4197,29 +4854,32 @@
           <a:lstStyle/>
           <a:p>
             <a:r>
-              <a:rPr lang="en-US" b="1" dirty="0"/>
-              <a:t>Predicting phenotype using phenotype-related cells</a:t>
-            </a:r>
-          </a:p>
-          <a:p>
-            <a:pPr lvl="1"/>
-            <a:r>
               <a:rPr lang="en-US" dirty="0"/>
-              <a:t>1. Regarding GSE120575, there are 44 samples. Using 30 to train the model, 14 to evaluate the predictive power. Stratifying R/NR during train/test splitting. </a:t>
-            </a:r>
-          </a:p>
-          <a:p>
-            <a:pPr lvl="1"/>
+              <a:t>1. Ratio between phenotype-related cells (yes/no) may be used to predict phenotype of a patient (e.g. ICB response)</a:t>
+            </a:r>
+          </a:p>
+          <a:p>
             <a:r>
               <a:rPr lang="en-US" dirty="0"/>
-              <a:t>2. Use a simple method as a comparison: calculate R/NR ratio in each cluster to identify “phenotype related cluster”</a:t>
-            </a:r>
-          </a:p>
-          <a:p>
-            <a:r>
-              <a:rPr lang="en-US" dirty="0" err="1"/>
-              <a:t>saf</a:t>
-            </a:r>
+              <a:t>2. Marker gene analysis of phenotype-related cells</a:t>
+            </a:r>
+          </a:p>
+          <a:p>
+            <a:r>
+              <a:rPr lang="en-US" dirty="0"/>
+              <a:t>3. functional (GO/pathway) analysis of genes/cells</a:t>
+            </a:r>
+          </a:p>
+          <a:p>
+            <a:r>
+              <a:rPr lang="en-US" dirty="0"/>
+              <a:t>4. Optional: Compare with intuitive methods such as counting the cells from R/NR in each cluster and identify phenotype-related clusters and the marker genes</a:t>
+            </a:r>
+          </a:p>
+          <a:p>
+            <a:endParaRPr lang="en-US" dirty="0"/>
+          </a:p>
+          <a:p>
             <a:endParaRPr lang="en-US" dirty="0"/>
           </a:p>
         </p:txBody>
@@ -4256,7 +4916,7 @@
     </p:spTree>
     <p:extLst>
       <p:ext uri="{BB962C8B-B14F-4D97-AF65-F5344CB8AC3E}">
-        <p14:creationId xmlns:p14="http://schemas.microsoft.com/office/powerpoint/2010/main" val="1345521328"/>
+        <p14:creationId xmlns:p14="http://schemas.microsoft.com/office/powerpoint/2010/main" val="1201870681"/>
       </p:ext>
     </p:extLst>
   </p:cSld>
@@ -4285,6 +4945,148 @@
       </p:grpSpPr>
       <p:sp>
         <p:nvSpPr>
+          <p:cNvPr id="2" name="Title 1">
+            <a:extLst>
+              <a:ext uri="{FF2B5EF4-FFF2-40B4-BE49-F238E27FC236}">
+                <a16:creationId xmlns:a16="http://schemas.microsoft.com/office/drawing/2014/main" id="{1951EEC2-A2BD-1963-5CD3-DF4E3847CB96}"/>
+              </a:ext>
+            </a:extLst>
+          </p:cNvPr>
+          <p:cNvSpPr>
+            <a:spLocks noGrp="1"/>
+          </p:cNvSpPr>
+          <p:nvPr>
+            <p:ph type="title"/>
+          </p:nvPr>
+        </p:nvSpPr>
+        <p:spPr/>
+        <p:txBody>
+          <a:bodyPr/>
+          <a:lstStyle/>
+          <a:p>
+            <a:r>
+              <a:rPr lang="en-US" dirty="0"/>
+              <a:t>Idea</a:t>
+            </a:r>
+          </a:p>
+        </p:txBody>
+      </p:sp>
+      <p:sp>
+        <p:nvSpPr>
+          <p:cNvPr id="3" name="Content Placeholder 2">
+            <a:extLst>
+              <a:ext uri="{FF2B5EF4-FFF2-40B4-BE49-F238E27FC236}">
+                <a16:creationId xmlns:a16="http://schemas.microsoft.com/office/drawing/2014/main" id="{9EB63EFD-F3B5-921E-59DD-8A62757F2F95}"/>
+              </a:ext>
+            </a:extLst>
+          </p:cNvPr>
+          <p:cNvSpPr>
+            <a:spLocks noGrp="1"/>
+          </p:cNvSpPr>
+          <p:nvPr>
+            <p:ph idx="1"/>
+          </p:nvPr>
+        </p:nvSpPr>
+        <p:spPr>
+          <a:xfrm>
+            <a:off x="838200" y="1486959"/>
+            <a:ext cx="10515600" cy="5032375"/>
+          </a:xfrm>
+        </p:spPr>
+        <p:txBody>
+          <a:bodyPr>
+            <a:normAutofit/>
+          </a:bodyPr>
+          <a:lstStyle/>
+          <a:p>
+            <a:r>
+              <a:rPr lang="en-US" b="1" dirty="0"/>
+              <a:t>Predicting phenotype using phenotype-related cells</a:t>
+            </a:r>
+          </a:p>
+          <a:p>
+            <a:pPr lvl="1"/>
+            <a:r>
+              <a:rPr lang="en-US" dirty="0"/>
+              <a:t>1. Regarding GSE120575, there are 44 samples. Using 30 to train the model, 14 to evaluate the predictive power. Stratifying R/NR during train/test splitting. </a:t>
+            </a:r>
+          </a:p>
+          <a:p>
+            <a:pPr lvl="1"/>
+            <a:r>
+              <a:rPr lang="en-US" dirty="0"/>
+              <a:t>2. </a:t>
+            </a:r>
+          </a:p>
+          <a:p>
+            <a:r>
+              <a:rPr lang="en-US" dirty="0"/>
+              <a:t>s</a:t>
+            </a:r>
+          </a:p>
+        </p:txBody>
+      </p:sp>
+      <p:sp>
+        <p:nvSpPr>
+          <p:cNvPr id="4" name="Slide Number Placeholder 3">
+            <a:extLst>
+              <a:ext uri="{FF2B5EF4-FFF2-40B4-BE49-F238E27FC236}">
+                <a16:creationId xmlns:a16="http://schemas.microsoft.com/office/drawing/2014/main" id="{8181BAB9-1899-DC13-B417-41F4164E6954}"/>
+              </a:ext>
+            </a:extLst>
+          </p:cNvPr>
+          <p:cNvSpPr>
+            <a:spLocks noGrp="1"/>
+          </p:cNvSpPr>
+          <p:nvPr>
+            <p:ph type="sldNum" sz="quarter" idx="12"/>
+          </p:nvPr>
+        </p:nvSpPr>
+        <p:spPr/>
+        <p:txBody>
+          <a:bodyPr/>
+          <a:lstStyle/>
+          <a:p>
+            <a:fld id="{AD169837-3143-44FA-94C6-B5220B265883}" type="slidenum">
+              <a:rPr lang="en-US" smtClean="0"/>
+              <a:t>5</a:t>
+            </a:fld>
+            <a:endParaRPr lang="en-US"/>
+          </a:p>
+        </p:txBody>
+      </p:sp>
+    </p:spTree>
+    <p:extLst>
+      <p:ext uri="{BB962C8B-B14F-4D97-AF65-F5344CB8AC3E}">
+        <p14:creationId xmlns:p14="http://schemas.microsoft.com/office/powerpoint/2010/main" val="1345521328"/>
+      </p:ext>
+    </p:extLst>
+  </p:cSld>
+  <p:clrMapOvr>
+    <a:masterClrMapping/>
+  </p:clrMapOvr>
+</p:sld>
+</file>
+
+<file path=ppt/slides/slide6.xml><?xml version="1.0" encoding="utf-8"?>
+<p:sld xmlns:a="http://schemas.openxmlformats.org/drawingml/2006/main" xmlns:r="http://schemas.openxmlformats.org/officeDocument/2006/relationships" xmlns:p="http://schemas.openxmlformats.org/presentationml/2006/main">
+  <p:cSld>
+    <p:spTree>
+      <p:nvGrpSpPr>
+        <p:cNvPr id="1" name=""/>
+        <p:cNvGrpSpPr/>
+        <p:nvPr/>
+      </p:nvGrpSpPr>
+      <p:grpSpPr>
+        <a:xfrm>
+          <a:off x="0" y="0"/>
+          <a:ext cx="0" cy="0"/>
+          <a:chOff x="0" y="0"/>
+          <a:chExt cx="0" cy="0"/>
+        </a:xfrm>
+      </p:grpSpPr>
+      <p:sp>
+        <p:nvSpPr>
           <p:cNvPr id="4" name="Slide Number Placeholder 3">
             <a:extLst>
               <a:ext uri="{FF2B5EF4-FFF2-40B4-BE49-F238E27FC236}">
@@ -4306,7 +5108,7 @@
           <a:p>
             <a:fld id="{AD169837-3143-44FA-94C6-B5220B265883}" type="slidenum">
               <a:rPr lang="en-US" smtClean="0"/>
-              <a:t>5</a:t>
+              <a:t>6</a:t>
             </a:fld>
             <a:endParaRPr lang="en-US"/>
           </a:p>
@@ -4502,7 +5304,7 @@
 </p:sld>
 </file>
 
-<file path=ppt/slides/slide6.xml><?xml version="1.0" encoding="utf-8"?>
+<file path=ppt/slides/slide7.xml><?xml version="1.0" encoding="utf-8"?>
 <p:sld xmlns:a="http://schemas.openxmlformats.org/drawingml/2006/main" xmlns:r="http://schemas.openxmlformats.org/officeDocument/2006/relationships" xmlns:p="http://schemas.openxmlformats.org/presentationml/2006/main">
   <p:cSld>
     <p:spTree>
@@ -4542,7 +5344,7 @@
           <a:p>
             <a:fld id="{AD169837-3143-44FA-94C6-B5220B265883}" type="slidenum">
               <a:rPr lang="en-US" smtClean="0"/>
-              <a:t>6</a:t>
+              <a:t>7</a:t>
             </a:fld>
             <a:endParaRPr lang="en-US"/>
           </a:p>
@@ -4563,7 +5365,7 @@
         <p:spPr>
           <a:xfrm>
             <a:off x="0" y="0"/>
-            <a:ext cx="6917022" cy="369332"/>
+            <a:ext cx="7694479" cy="461665"/>
           </a:xfrm>
           <a:prstGeom prst="rect">
             <a:avLst/>
@@ -4577,8 +5379,16 @@
           <a:lstStyle/>
           <a:p>
             <a:r>
+              <a:rPr lang="en-US" sz="2400" b="1" dirty="0">
+                <a:solidFill>
+                  <a:srgbClr val="FF0000"/>
+                </a:solidFill>
+              </a:rPr>
+              <a:t>ISSUE</a:t>
+            </a:r>
+            <a:r>
               <a:rPr lang="en-US" b="1" dirty="0"/>
-              <a:t>GSE120575: CANNOT reproduce PENCIL result with default parameters</a:t>
+              <a:t>: CANNOT reproduce PENCIL result with default parameters GSE120575</a:t>
             </a:r>
           </a:p>
         </p:txBody>
@@ -4704,65 +5514,6 @@
 </p:sld>
 </file>
 
-<file path=ppt/slides/slide7.xml><?xml version="1.0" encoding="utf-8"?>
-<p:sld xmlns:a="http://schemas.openxmlformats.org/drawingml/2006/main" xmlns:r="http://schemas.openxmlformats.org/officeDocument/2006/relationships" xmlns:p="http://schemas.openxmlformats.org/presentationml/2006/main">
-  <p:cSld>
-    <p:spTree>
-      <p:nvGrpSpPr>
-        <p:cNvPr id="1" name=""/>
-        <p:cNvGrpSpPr/>
-        <p:nvPr/>
-      </p:nvGrpSpPr>
-      <p:grpSpPr>
-        <a:xfrm>
-          <a:off x="0" y="0"/>
-          <a:ext cx="0" cy="0"/>
-          <a:chOff x="0" y="0"/>
-          <a:chExt cx="0" cy="0"/>
-        </a:xfrm>
-      </p:grpSpPr>
-      <p:sp>
-        <p:nvSpPr>
-          <p:cNvPr id="4" name="Slide Number Placeholder 3">
-            <a:extLst>
-              <a:ext uri="{FF2B5EF4-FFF2-40B4-BE49-F238E27FC236}">
-                <a16:creationId xmlns:a16="http://schemas.microsoft.com/office/drawing/2014/main" id="{AC30DC80-BEDF-8372-4083-7520A3AD657E}"/>
-              </a:ext>
-            </a:extLst>
-          </p:cNvPr>
-          <p:cNvSpPr>
-            <a:spLocks noGrp="1"/>
-          </p:cNvSpPr>
-          <p:nvPr>
-            <p:ph type="sldNum" sz="quarter" idx="12"/>
-          </p:nvPr>
-        </p:nvSpPr>
-        <p:spPr/>
-        <p:txBody>
-          <a:bodyPr/>
-          <a:lstStyle/>
-          <a:p>
-            <a:fld id="{AD169837-3143-44FA-94C6-B5220B265883}" type="slidenum">
-              <a:rPr lang="en-US" smtClean="0"/>
-              <a:t>7</a:t>
-            </a:fld>
-            <a:endParaRPr lang="en-US"/>
-          </a:p>
-        </p:txBody>
-      </p:sp>
-    </p:spTree>
-    <p:extLst>
-      <p:ext uri="{BB962C8B-B14F-4D97-AF65-F5344CB8AC3E}">
-        <p14:creationId xmlns:p14="http://schemas.microsoft.com/office/powerpoint/2010/main" val="2883963584"/>
-      </p:ext>
-    </p:extLst>
-  </p:cSld>
-  <p:clrMapOvr>
-    <a:masterClrMapping/>
-  </p:clrMapOvr>
-</p:sld>
-</file>
-
 <file path=ppt/slides/slide8.xml><?xml version="1.0" encoding="utf-8"?>
 <p:sld xmlns:a="http://schemas.openxmlformats.org/drawingml/2006/main" xmlns:r="http://schemas.openxmlformats.org/officeDocument/2006/relationships" xmlns:p="http://schemas.openxmlformats.org/presentationml/2006/main">
   <p:cSld>
@@ -4812,7 +5563,7 @@
     </p:spTree>
     <p:extLst>
       <p:ext uri="{BB962C8B-B14F-4D97-AF65-F5344CB8AC3E}">
-        <p14:creationId xmlns:p14="http://schemas.microsoft.com/office/powerpoint/2010/main" val="3583755307"/>
+        <p14:creationId xmlns:p14="http://schemas.microsoft.com/office/powerpoint/2010/main" val="2883963584"/>
       </p:ext>
     </p:extLst>
   </p:cSld>
@@ -4841,10 +5592,111 @@
       </p:grpSpPr>
       <p:sp>
         <p:nvSpPr>
+          <p:cNvPr id="2" name="Title 1">
+            <a:extLst>
+              <a:ext uri="{FF2B5EF4-FFF2-40B4-BE49-F238E27FC236}">
+                <a16:creationId xmlns:a16="http://schemas.microsoft.com/office/drawing/2014/main" id="{1951EEC2-A2BD-1963-5CD3-DF4E3847CB96}"/>
+              </a:ext>
+            </a:extLst>
+          </p:cNvPr>
+          <p:cNvSpPr>
+            <a:spLocks noGrp="1"/>
+          </p:cNvSpPr>
+          <p:nvPr>
+            <p:ph type="title"/>
+          </p:nvPr>
+        </p:nvSpPr>
+        <p:spPr/>
+        <p:txBody>
+          <a:bodyPr/>
+          <a:lstStyle/>
+          <a:p>
+            <a:r>
+              <a:rPr lang="en-US" dirty="0"/>
+              <a:t>Logic and result of GSE200996 analysis</a:t>
+            </a:r>
+          </a:p>
+        </p:txBody>
+      </p:sp>
+      <p:sp>
+        <p:nvSpPr>
+          <p:cNvPr id="3" name="Content Placeholder 2">
+            <a:extLst>
+              <a:ext uri="{FF2B5EF4-FFF2-40B4-BE49-F238E27FC236}">
+                <a16:creationId xmlns:a16="http://schemas.microsoft.com/office/drawing/2014/main" id="{9EB63EFD-F3B5-921E-59DD-8A62757F2F95}"/>
+              </a:ext>
+            </a:extLst>
+          </p:cNvPr>
+          <p:cNvSpPr>
+            <a:spLocks noGrp="1"/>
+          </p:cNvSpPr>
+          <p:nvPr>
+            <p:ph idx="1"/>
+          </p:nvPr>
+        </p:nvSpPr>
+        <p:spPr>
+          <a:xfrm>
+            <a:off x="838200" y="1486959"/>
+            <a:ext cx="10515600" cy="5032375"/>
+          </a:xfrm>
+        </p:spPr>
+        <p:txBody>
+          <a:bodyPr>
+            <a:normAutofit/>
+          </a:bodyPr>
+          <a:lstStyle/>
+          <a:p>
+            <a:r>
+              <a:rPr lang="en-US" b="1" dirty="0"/>
+              <a:t>Predicting phenotype using phenotype-related cells</a:t>
+            </a:r>
+          </a:p>
+          <a:p>
+            <a:pPr lvl="1"/>
+            <a:r>
+              <a:rPr lang="en-US" dirty="0"/>
+              <a:t>Logic</a:t>
+            </a:r>
+          </a:p>
+          <a:p>
+            <a:pPr lvl="2"/>
+            <a:r>
+              <a:rPr lang="en-US" dirty="0"/>
+              <a:t>1. Using tissue CD8T, CD4T, B cells respectively</a:t>
+            </a:r>
+          </a:p>
+          <a:p>
+            <a:pPr lvl="2"/>
+            <a:r>
+              <a:rPr lang="en-US" dirty="0"/>
+              <a:t>2. Using PBMC CD8T, CD4T, B cells respectively</a:t>
+            </a:r>
+          </a:p>
+          <a:p>
+            <a:pPr lvl="1"/>
+            <a:r>
+              <a:rPr lang="en-US" dirty="0"/>
+              <a:t>Result</a:t>
+            </a:r>
+          </a:p>
+          <a:p>
+            <a:pPr lvl="2"/>
+            <a:r>
+              <a:rPr lang="en-US" dirty="0"/>
+              <a:t>Tissue immune cells better correlate with ICB response (measured by &gt;10% tumor reduction), where B cells have the best correlation. PBMC CD4T and B cells barely have correlation with ICB response. Interestingly, PBMC CD8T cells still have strong correlation with ICB response. See more details on the next slide.</a:t>
+            </a:r>
+          </a:p>
+          <a:p>
+            <a:endParaRPr lang="en-US" dirty="0"/>
+          </a:p>
+        </p:txBody>
+      </p:sp>
+      <p:sp>
+        <p:nvSpPr>
           <p:cNvPr id="4" name="Slide Number Placeholder 3">
             <a:extLst>
               <a:ext uri="{FF2B5EF4-FFF2-40B4-BE49-F238E27FC236}">
-                <a16:creationId xmlns:a16="http://schemas.microsoft.com/office/drawing/2014/main" id="{AC30DC80-BEDF-8372-4083-7520A3AD657E}"/>
+                <a16:creationId xmlns:a16="http://schemas.microsoft.com/office/drawing/2014/main" id="{8181BAB9-1899-DC13-B417-41F4164E6954}"/>
               </a:ext>
             </a:extLst>
           </p:cNvPr>
@@ -4871,7 +5723,7 @@
     </p:spTree>
     <p:extLst>
       <p:ext uri="{BB962C8B-B14F-4D97-AF65-F5344CB8AC3E}">
-        <p14:creationId xmlns:p14="http://schemas.microsoft.com/office/powerpoint/2010/main" val="2046797108"/>
+        <p14:creationId xmlns:p14="http://schemas.microsoft.com/office/powerpoint/2010/main" val="3184032932"/>
       </p:ext>
     </p:extLst>
   </p:cSld>

--- a/WorkReport.pptx
+++ b/WorkReport.pptx
@@ -5,7 +5,7 @@
     <p:sldMasterId id="2147483672" r:id="rId1"/>
   </p:sldMasterIdLst>
   <p:notesMasterIdLst>
-    <p:notesMasterId r:id="rId18"/>
+    <p:notesMasterId r:id="rId20"/>
   </p:notesMasterIdLst>
   <p:sldIdLst>
     <p:sldId id="256" r:id="rId2"/>
@@ -18,12 +18,14 @@
     <p:sldId id="261" r:id="rId9"/>
     <p:sldId id="270" r:id="rId10"/>
     <p:sldId id="269" r:id="rId11"/>
-    <p:sldId id="262" r:id="rId12"/>
-    <p:sldId id="263" r:id="rId13"/>
-    <p:sldId id="264" r:id="rId14"/>
-    <p:sldId id="265" r:id="rId15"/>
-    <p:sldId id="266" r:id="rId16"/>
-    <p:sldId id="267" r:id="rId17"/>
+    <p:sldId id="272" r:id="rId12"/>
+    <p:sldId id="273" r:id="rId13"/>
+    <p:sldId id="262" r:id="rId14"/>
+    <p:sldId id="263" r:id="rId15"/>
+    <p:sldId id="264" r:id="rId16"/>
+    <p:sldId id="265" r:id="rId17"/>
+    <p:sldId id="266" r:id="rId18"/>
+    <p:sldId id="267" r:id="rId19"/>
   </p:sldIdLst>
   <p:sldSz cx="12192000" cy="6858000"/>
   <p:notesSz cx="6858000" cy="9144000"/>
@@ -3673,7 +3675,7 @@
         <p:spPr>
           <a:xfrm>
             <a:off x="0" y="0"/>
-            <a:ext cx="2639505" cy="369332"/>
+            <a:ext cx="10148740" cy="369332"/>
           </a:xfrm>
           <a:prstGeom prst="rect">
             <a:avLst/>
@@ -3688,7 +3690,22 @@
           <a:p>
             <a:r>
               <a:rPr lang="en-US" b="1" dirty="0"/>
-              <a:t>GSE200996: PENCIL result</a:t>
+              <a:t>GSE200996: PENCIL result (</a:t>
+            </a:r>
+            <a:r>
+              <a:rPr lang="en-US" b="1" dirty="0">
+                <a:solidFill>
+                  <a:srgbClr val="FF0000"/>
+                </a:solidFill>
+                <a:highlight>
+                  <a:srgbClr val="FFFF00"/>
+                </a:highlight>
+              </a:rPr>
+              <a:t>Incorrect: did not re-do normalization, scaling and PCA for the subset of data</a:t>
+            </a:r>
+            <a:r>
+              <a:rPr lang="en-US" b="1" dirty="0"/>
+              <a:t>)</a:t>
             </a:r>
           </a:p>
         </p:txBody>
@@ -4178,10 +4195,486 @@
           </a:p>
         </p:txBody>
       </p:sp>
+      <p:sp>
+        <p:nvSpPr>
+          <p:cNvPr id="11" name="TextBox 10">
+            <a:extLst>
+              <a:ext uri="{FF2B5EF4-FFF2-40B4-BE49-F238E27FC236}">
+                <a16:creationId xmlns:a16="http://schemas.microsoft.com/office/drawing/2014/main" id="{1F25C690-F919-2C24-FF7B-69CF25B74724}"/>
+              </a:ext>
+            </a:extLst>
+          </p:cNvPr>
+          <p:cNvSpPr txBox="1"/>
+          <p:nvPr/>
+        </p:nvSpPr>
+        <p:spPr>
+          <a:xfrm>
+            <a:off x="0" y="0"/>
+            <a:ext cx="4433778" cy="369332"/>
+          </a:xfrm>
+          <a:prstGeom prst="rect">
+            <a:avLst/>
+          </a:prstGeom>
+          <a:noFill/>
+        </p:spPr>
+        <p:txBody>
+          <a:bodyPr wrap="none" rtlCol="0">
+            <a:spAutoFit/>
+          </a:bodyPr>
+          <a:lstStyle/>
+          <a:p>
+            <a:r>
+              <a:rPr lang="en-US" b="1" dirty="0"/>
+              <a:t>GSE200996: PENCIL result (</a:t>
+            </a:r>
+            <a:r>
+              <a:rPr lang="en-US" b="1" dirty="0">
+                <a:solidFill>
+                  <a:srgbClr val="FF0000"/>
+                </a:solidFill>
+                <a:highlight>
+                  <a:srgbClr val="FFFF00"/>
+                </a:highlight>
+              </a:rPr>
+              <a:t>corrected result</a:t>
+            </a:r>
+            <a:r>
+              <a:rPr lang="en-US" b="1" dirty="0"/>
+              <a:t>)</a:t>
+            </a:r>
+          </a:p>
+        </p:txBody>
+      </p:sp>
+      <p:sp>
+        <p:nvSpPr>
+          <p:cNvPr id="20" name="TextBox 19">
+            <a:extLst>
+              <a:ext uri="{FF2B5EF4-FFF2-40B4-BE49-F238E27FC236}">
+                <a16:creationId xmlns:a16="http://schemas.microsoft.com/office/drawing/2014/main" id="{DD51913F-6366-9848-8726-687278A3C452}"/>
+              </a:ext>
+            </a:extLst>
+          </p:cNvPr>
+          <p:cNvSpPr txBox="1"/>
+          <p:nvPr/>
+        </p:nvSpPr>
+        <p:spPr>
+          <a:xfrm>
+            <a:off x="1159367" y="3244334"/>
+            <a:ext cx="1314784" cy="369332"/>
+          </a:xfrm>
+          <a:prstGeom prst="rect">
+            <a:avLst/>
+          </a:prstGeom>
+          <a:noFill/>
+        </p:spPr>
+        <p:txBody>
+          <a:bodyPr wrap="none" rtlCol="0">
+            <a:spAutoFit/>
+          </a:bodyPr>
+          <a:lstStyle/>
+          <a:p>
+            <a:r>
+              <a:rPr lang="en-US" dirty="0"/>
+              <a:t>Tissue CD8T</a:t>
+            </a:r>
+          </a:p>
+        </p:txBody>
+      </p:sp>
+      <p:sp>
+        <p:nvSpPr>
+          <p:cNvPr id="21" name="TextBox 20">
+            <a:extLst>
+              <a:ext uri="{FF2B5EF4-FFF2-40B4-BE49-F238E27FC236}">
+                <a16:creationId xmlns:a16="http://schemas.microsoft.com/office/drawing/2014/main" id="{8C2981F6-A234-672E-CF26-9BDF1CE6630E}"/>
+              </a:ext>
+            </a:extLst>
+          </p:cNvPr>
+          <p:cNvSpPr txBox="1"/>
+          <p:nvPr/>
+        </p:nvSpPr>
+        <p:spPr>
+          <a:xfrm>
+            <a:off x="8986890" y="3244334"/>
+            <a:ext cx="1406154" cy="369332"/>
+          </a:xfrm>
+          <a:prstGeom prst="rect">
+            <a:avLst/>
+          </a:prstGeom>
+          <a:noFill/>
+        </p:spPr>
+        <p:txBody>
+          <a:bodyPr wrap="none" rtlCol="0">
+            <a:spAutoFit/>
+          </a:bodyPr>
+          <a:lstStyle/>
+          <a:p>
+            <a:r>
+              <a:rPr lang="en-US" dirty="0"/>
+              <a:t>Tissue B cells</a:t>
+            </a:r>
+          </a:p>
+        </p:txBody>
+      </p:sp>
+      <p:sp>
+        <p:nvSpPr>
+          <p:cNvPr id="22" name="TextBox 21">
+            <a:extLst>
+              <a:ext uri="{FF2B5EF4-FFF2-40B4-BE49-F238E27FC236}">
+                <a16:creationId xmlns:a16="http://schemas.microsoft.com/office/drawing/2014/main" id="{8208E409-B222-158F-E29E-3A41B9CEE149}"/>
+              </a:ext>
+            </a:extLst>
+          </p:cNvPr>
+          <p:cNvSpPr txBox="1"/>
+          <p:nvPr/>
+        </p:nvSpPr>
+        <p:spPr>
+          <a:xfrm>
+            <a:off x="5128591" y="3244334"/>
+            <a:ext cx="1314784" cy="369332"/>
+          </a:xfrm>
+          <a:prstGeom prst="rect">
+            <a:avLst/>
+          </a:prstGeom>
+          <a:noFill/>
+        </p:spPr>
+        <p:txBody>
+          <a:bodyPr wrap="none" rtlCol="0">
+            <a:spAutoFit/>
+          </a:bodyPr>
+          <a:lstStyle/>
+          <a:p>
+            <a:r>
+              <a:rPr lang="en-US" dirty="0"/>
+              <a:t>Tissue CD4T</a:t>
+            </a:r>
+          </a:p>
+        </p:txBody>
+      </p:sp>
+      <p:sp>
+        <p:nvSpPr>
+          <p:cNvPr id="23" name="TextBox 22">
+            <a:extLst>
+              <a:ext uri="{FF2B5EF4-FFF2-40B4-BE49-F238E27FC236}">
+                <a16:creationId xmlns:a16="http://schemas.microsoft.com/office/drawing/2014/main" id="{A603790F-C887-C2C7-4FBA-18DB8637AE9C}"/>
+              </a:ext>
+            </a:extLst>
+          </p:cNvPr>
+          <p:cNvSpPr txBox="1"/>
+          <p:nvPr/>
+        </p:nvSpPr>
+        <p:spPr>
+          <a:xfrm>
+            <a:off x="1159367" y="6385777"/>
+            <a:ext cx="1297150" cy="369332"/>
+          </a:xfrm>
+          <a:prstGeom prst="rect">
+            <a:avLst/>
+          </a:prstGeom>
+          <a:noFill/>
+        </p:spPr>
+        <p:txBody>
+          <a:bodyPr wrap="none" rtlCol="0">
+            <a:spAutoFit/>
+          </a:bodyPr>
+          <a:lstStyle/>
+          <a:p>
+            <a:r>
+              <a:rPr lang="en-US" dirty="0"/>
+              <a:t>PBMC CD8T</a:t>
+            </a:r>
+          </a:p>
+        </p:txBody>
+      </p:sp>
+      <p:sp>
+        <p:nvSpPr>
+          <p:cNvPr id="24" name="TextBox 23">
+            <a:extLst>
+              <a:ext uri="{FF2B5EF4-FFF2-40B4-BE49-F238E27FC236}">
+                <a16:creationId xmlns:a16="http://schemas.microsoft.com/office/drawing/2014/main" id="{DD5C0E66-6F13-4E52-4F4A-53E7156DE531}"/>
+              </a:ext>
+            </a:extLst>
+          </p:cNvPr>
+          <p:cNvSpPr txBox="1"/>
+          <p:nvPr/>
+        </p:nvSpPr>
+        <p:spPr>
+          <a:xfrm>
+            <a:off x="8986890" y="6385777"/>
+            <a:ext cx="1406154" cy="369332"/>
+          </a:xfrm>
+          <a:prstGeom prst="rect">
+            <a:avLst/>
+          </a:prstGeom>
+          <a:noFill/>
+        </p:spPr>
+        <p:txBody>
+          <a:bodyPr wrap="none" rtlCol="0">
+            <a:spAutoFit/>
+          </a:bodyPr>
+          <a:lstStyle/>
+          <a:p>
+            <a:r>
+              <a:rPr lang="en-US" dirty="0"/>
+              <a:t>PBMC B cells</a:t>
+            </a:r>
+          </a:p>
+        </p:txBody>
+      </p:sp>
+      <p:sp>
+        <p:nvSpPr>
+          <p:cNvPr id="25" name="TextBox 24">
+            <a:extLst>
+              <a:ext uri="{FF2B5EF4-FFF2-40B4-BE49-F238E27FC236}">
+                <a16:creationId xmlns:a16="http://schemas.microsoft.com/office/drawing/2014/main" id="{C17B9338-3A5D-3361-9AB7-1DD42F94811A}"/>
+              </a:ext>
+            </a:extLst>
+          </p:cNvPr>
+          <p:cNvSpPr txBox="1"/>
+          <p:nvPr/>
+        </p:nvSpPr>
+        <p:spPr>
+          <a:xfrm>
+            <a:off x="5128591" y="6385777"/>
+            <a:ext cx="1314784" cy="369332"/>
+          </a:xfrm>
+          <a:prstGeom prst="rect">
+            <a:avLst/>
+          </a:prstGeom>
+          <a:noFill/>
+        </p:spPr>
+        <p:txBody>
+          <a:bodyPr wrap="none" rtlCol="0">
+            <a:spAutoFit/>
+          </a:bodyPr>
+          <a:lstStyle/>
+          <a:p>
+            <a:r>
+              <a:rPr lang="en-US" dirty="0"/>
+              <a:t>PBMC CD4T</a:t>
+            </a:r>
+          </a:p>
+        </p:txBody>
+      </p:sp>
+      <p:pic>
+        <p:nvPicPr>
+          <p:cNvPr id="5" name="Picture 4">
+            <a:extLst>
+              <a:ext uri="{FF2B5EF4-FFF2-40B4-BE49-F238E27FC236}">
+                <a16:creationId xmlns:a16="http://schemas.microsoft.com/office/drawing/2014/main" id="{CF3998F9-4DE6-590F-3D97-17388C8FEC26}"/>
+              </a:ext>
+            </a:extLst>
+          </p:cNvPr>
+          <p:cNvPicPr>
+            <a:picLocks noChangeAspect="1"/>
+          </p:cNvPicPr>
+          <p:nvPr/>
+        </p:nvPicPr>
+        <p:blipFill>
+          <a:blip r:embed="rId2">
+            <a:extLst>
+              <a:ext uri="{28A0092B-C50C-407E-A947-70E740481C1C}">
+                <a14:useLocalDpi xmlns:a14="http://schemas.microsoft.com/office/drawing/2010/main" val="0"/>
+              </a:ext>
+            </a:extLst>
+          </a:blip>
+          <a:stretch>
+            <a:fillRect/>
+          </a:stretch>
+        </p:blipFill>
+        <p:spPr>
+          <a:xfrm>
+            <a:off x="328840" y="501134"/>
+            <a:ext cx="3077155" cy="2743200"/>
+          </a:xfrm>
+          <a:prstGeom prst="rect">
+            <a:avLst/>
+          </a:prstGeom>
+        </p:spPr>
+      </p:pic>
+      <p:pic>
+        <p:nvPicPr>
+          <p:cNvPr id="8" name="Picture 7">
+            <a:extLst>
+              <a:ext uri="{FF2B5EF4-FFF2-40B4-BE49-F238E27FC236}">
+                <a16:creationId xmlns:a16="http://schemas.microsoft.com/office/drawing/2014/main" id="{C2D2C60A-EE81-1C65-3B38-6DEA3EA83413}"/>
+              </a:ext>
+            </a:extLst>
+          </p:cNvPr>
+          <p:cNvPicPr>
+            <a:picLocks noChangeAspect="1"/>
+          </p:cNvPicPr>
+          <p:nvPr/>
+        </p:nvPicPr>
+        <p:blipFill>
+          <a:blip r:embed="rId3">
+            <a:extLst>
+              <a:ext uri="{28A0092B-C50C-407E-A947-70E740481C1C}">
+                <a14:useLocalDpi xmlns:a14="http://schemas.microsoft.com/office/drawing/2010/main" val="0"/>
+              </a:ext>
+            </a:extLst>
+          </a:blip>
+          <a:stretch>
+            <a:fillRect/>
+          </a:stretch>
+        </p:blipFill>
+        <p:spPr>
+          <a:xfrm>
+            <a:off x="4347144" y="501134"/>
+            <a:ext cx="3062177" cy="2743200"/>
+          </a:xfrm>
+          <a:prstGeom prst="rect">
+            <a:avLst/>
+          </a:prstGeom>
+        </p:spPr>
+      </p:pic>
+      <p:pic>
+        <p:nvPicPr>
+          <p:cNvPr id="10" name="Picture 9">
+            <a:extLst>
+              <a:ext uri="{FF2B5EF4-FFF2-40B4-BE49-F238E27FC236}">
+                <a16:creationId xmlns:a16="http://schemas.microsoft.com/office/drawing/2014/main" id="{8F4E02E1-811C-D2AF-2C7F-6557989D9195}"/>
+              </a:ext>
+            </a:extLst>
+          </p:cNvPr>
+          <p:cNvPicPr>
+            <a:picLocks noChangeAspect="1"/>
+          </p:cNvPicPr>
+          <p:nvPr/>
+        </p:nvPicPr>
+        <p:blipFill>
+          <a:blip r:embed="rId4">
+            <a:extLst>
+              <a:ext uri="{28A0092B-C50C-407E-A947-70E740481C1C}">
+                <a14:useLocalDpi xmlns:a14="http://schemas.microsoft.com/office/drawing/2010/main" val="0"/>
+              </a:ext>
+            </a:extLst>
+          </a:blip>
+          <a:stretch>
+            <a:fillRect/>
+          </a:stretch>
+        </p:blipFill>
+        <p:spPr>
+          <a:xfrm>
+            <a:off x="8350469" y="501134"/>
+            <a:ext cx="3046228" cy="2743200"/>
+          </a:xfrm>
+          <a:prstGeom prst="rect">
+            <a:avLst/>
+          </a:prstGeom>
+        </p:spPr>
+      </p:pic>
+      <p:pic>
+        <p:nvPicPr>
+          <p:cNvPr id="14" name="Picture 13">
+            <a:extLst>
+              <a:ext uri="{FF2B5EF4-FFF2-40B4-BE49-F238E27FC236}">
+                <a16:creationId xmlns:a16="http://schemas.microsoft.com/office/drawing/2014/main" id="{D2837B73-B8EE-D635-850E-C618739E51AA}"/>
+              </a:ext>
+            </a:extLst>
+          </p:cNvPr>
+          <p:cNvPicPr>
+            <a:picLocks noChangeAspect="1"/>
+          </p:cNvPicPr>
+          <p:nvPr/>
+        </p:nvPicPr>
+        <p:blipFill>
+          <a:blip r:embed="rId5">
+            <a:extLst>
+              <a:ext uri="{28A0092B-C50C-407E-A947-70E740481C1C}">
+                <a14:useLocalDpi xmlns:a14="http://schemas.microsoft.com/office/drawing/2010/main" val="0"/>
+              </a:ext>
+            </a:extLst>
+          </a:blip>
+          <a:stretch>
+            <a:fillRect/>
+          </a:stretch>
+        </p:blipFill>
+        <p:spPr>
+          <a:xfrm>
+            <a:off x="328840" y="3657342"/>
+            <a:ext cx="3054202" cy="2743200"/>
+          </a:xfrm>
+          <a:prstGeom prst="rect">
+            <a:avLst/>
+          </a:prstGeom>
+        </p:spPr>
+      </p:pic>
+      <p:pic>
+        <p:nvPicPr>
+          <p:cNvPr id="18" name="Picture 17">
+            <a:extLst>
+              <a:ext uri="{FF2B5EF4-FFF2-40B4-BE49-F238E27FC236}">
+                <a16:creationId xmlns:a16="http://schemas.microsoft.com/office/drawing/2014/main" id="{E1A986D0-38DA-9164-CB4A-1747F9F4BC80}"/>
+              </a:ext>
+            </a:extLst>
+          </p:cNvPr>
+          <p:cNvPicPr>
+            <a:picLocks noChangeAspect="1"/>
+          </p:cNvPicPr>
+          <p:nvPr/>
+        </p:nvPicPr>
+        <p:blipFill>
+          <a:blip r:embed="rId6">
+            <a:extLst>
+              <a:ext uri="{28A0092B-C50C-407E-A947-70E740481C1C}">
+                <a14:useLocalDpi xmlns:a14="http://schemas.microsoft.com/office/drawing/2010/main" val="0"/>
+              </a:ext>
+            </a:extLst>
+          </a:blip>
+          <a:stretch>
+            <a:fillRect/>
+          </a:stretch>
+        </p:blipFill>
+        <p:spPr>
+          <a:xfrm>
+            <a:off x="4336589" y="3657342"/>
+            <a:ext cx="3060333" cy="2743200"/>
+          </a:xfrm>
+          <a:prstGeom prst="rect">
+            <a:avLst/>
+          </a:prstGeom>
+        </p:spPr>
+      </p:pic>
+      <p:pic>
+        <p:nvPicPr>
+          <p:cNvPr id="27" name="Picture 26">
+            <a:extLst>
+              <a:ext uri="{FF2B5EF4-FFF2-40B4-BE49-F238E27FC236}">
+                <a16:creationId xmlns:a16="http://schemas.microsoft.com/office/drawing/2014/main" id="{B9F69C42-C5CD-F029-3ACE-3F2A7F8D2C6B}"/>
+              </a:ext>
+            </a:extLst>
+          </p:cNvPr>
+          <p:cNvPicPr>
+            <a:picLocks noChangeAspect="1"/>
+          </p:cNvPicPr>
+          <p:nvPr/>
+        </p:nvPicPr>
+        <p:blipFill>
+          <a:blip r:embed="rId7">
+            <a:extLst>
+              <a:ext uri="{28A0092B-C50C-407E-A947-70E740481C1C}">
+                <a14:useLocalDpi xmlns:a14="http://schemas.microsoft.com/office/drawing/2010/main" val="0"/>
+              </a:ext>
+            </a:extLst>
+          </a:blip>
+          <a:stretch>
+            <a:fillRect/>
+          </a:stretch>
+        </p:blipFill>
+        <p:spPr>
+          <a:xfrm>
+            <a:off x="8350469" y="3657342"/>
+            <a:ext cx="3003331" cy="2743200"/>
+          </a:xfrm>
+          <a:prstGeom prst="rect">
+            <a:avLst/>
+          </a:prstGeom>
+        </p:spPr>
+      </p:pic>
     </p:spTree>
     <p:extLst>
       <p:ext uri="{BB962C8B-B14F-4D97-AF65-F5344CB8AC3E}">
-        <p14:creationId xmlns:p14="http://schemas.microsoft.com/office/powerpoint/2010/main" val="3583755307"/>
+        <p14:creationId xmlns:p14="http://schemas.microsoft.com/office/powerpoint/2010/main" val="3147368616"/>
       </p:ext>
     </p:extLst>
   </p:cSld>
@@ -4237,10 +4730,291 @@
           </a:p>
         </p:txBody>
       </p:sp>
+      <p:sp>
+        <p:nvSpPr>
+          <p:cNvPr id="11" name="TextBox 10">
+            <a:extLst>
+              <a:ext uri="{FF2B5EF4-FFF2-40B4-BE49-F238E27FC236}">
+                <a16:creationId xmlns:a16="http://schemas.microsoft.com/office/drawing/2014/main" id="{1F25C690-F919-2C24-FF7B-69CF25B74724}"/>
+              </a:ext>
+            </a:extLst>
+          </p:cNvPr>
+          <p:cNvSpPr txBox="1"/>
+          <p:nvPr/>
+        </p:nvSpPr>
+        <p:spPr>
+          <a:xfrm>
+            <a:off x="0" y="0"/>
+            <a:ext cx="9536585" cy="369332"/>
+          </a:xfrm>
+          <a:prstGeom prst="rect">
+            <a:avLst/>
+          </a:prstGeom>
+          <a:noFill/>
+        </p:spPr>
+        <p:txBody>
+          <a:bodyPr wrap="none" rtlCol="0">
+            <a:spAutoFit/>
+          </a:bodyPr>
+          <a:lstStyle/>
+          <a:p>
+            <a:r>
+              <a:rPr lang="en-US" b="1" dirty="0"/>
+              <a:t>GSE120575: PENCIL result (</a:t>
+            </a:r>
+            <a:r>
+              <a:rPr lang="en-US" b="1" dirty="0">
+                <a:solidFill>
+                  <a:srgbClr val="FF0000"/>
+                </a:solidFill>
+                <a:highlight>
+                  <a:srgbClr val="FFFF00"/>
+                </a:highlight>
+              </a:rPr>
+              <a:t>corrected result: still CANNOT reproduce </a:t>
+            </a:r>
+            <a:r>
+              <a:rPr lang="en-US" b="1">
+                <a:solidFill>
+                  <a:srgbClr val="FF0000"/>
+                </a:solidFill>
+                <a:highlight>
+                  <a:srgbClr val="FFFF00"/>
+                </a:highlight>
+              </a:rPr>
+              <a:t>the result in the PENCIL paper</a:t>
+            </a:r>
+            <a:r>
+              <a:rPr lang="en-US" b="1"/>
+              <a:t>)</a:t>
+            </a:r>
+            <a:endParaRPr lang="en-US" b="1" dirty="0"/>
+          </a:p>
+        </p:txBody>
+      </p:sp>
+      <p:sp>
+        <p:nvSpPr>
+          <p:cNvPr id="20" name="TextBox 19">
+            <a:extLst>
+              <a:ext uri="{FF2B5EF4-FFF2-40B4-BE49-F238E27FC236}">
+                <a16:creationId xmlns:a16="http://schemas.microsoft.com/office/drawing/2014/main" id="{DD51913F-6366-9848-8726-687278A3C452}"/>
+              </a:ext>
+            </a:extLst>
+          </p:cNvPr>
+          <p:cNvSpPr txBox="1"/>
+          <p:nvPr/>
+        </p:nvSpPr>
+        <p:spPr>
+          <a:xfrm>
+            <a:off x="1159367" y="4794838"/>
+            <a:ext cx="1994457" cy="646331"/>
+          </a:xfrm>
+          <a:prstGeom prst="rect">
+            <a:avLst/>
+          </a:prstGeom>
+          <a:noFill/>
+        </p:spPr>
+        <p:txBody>
+          <a:bodyPr wrap="none" rtlCol="0">
+            <a:spAutoFit/>
+          </a:bodyPr>
+          <a:lstStyle/>
+          <a:p>
+            <a:r>
+              <a:rPr lang="en-US" dirty="0"/>
+              <a:t>Tissue CD8T</a:t>
+            </a:r>
+          </a:p>
+          <a:p>
+            <a:r>
+              <a:rPr lang="en-US" dirty="0"/>
+              <a:t>(use original anno.)</a:t>
+            </a:r>
+          </a:p>
+        </p:txBody>
+      </p:sp>
+      <p:sp>
+        <p:nvSpPr>
+          <p:cNvPr id="21" name="TextBox 20">
+            <a:extLst>
+              <a:ext uri="{FF2B5EF4-FFF2-40B4-BE49-F238E27FC236}">
+                <a16:creationId xmlns:a16="http://schemas.microsoft.com/office/drawing/2014/main" id="{8C2981F6-A234-672E-CF26-9BDF1CE6630E}"/>
+              </a:ext>
+            </a:extLst>
+          </p:cNvPr>
+          <p:cNvSpPr txBox="1"/>
+          <p:nvPr/>
+        </p:nvSpPr>
+        <p:spPr>
+          <a:xfrm>
+            <a:off x="8986890" y="4794838"/>
+            <a:ext cx="1406154" cy="369332"/>
+          </a:xfrm>
+          <a:prstGeom prst="rect">
+            <a:avLst/>
+          </a:prstGeom>
+          <a:noFill/>
+        </p:spPr>
+        <p:txBody>
+          <a:bodyPr wrap="none" rtlCol="0">
+            <a:spAutoFit/>
+          </a:bodyPr>
+          <a:lstStyle/>
+          <a:p>
+            <a:r>
+              <a:rPr lang="en-US" dirty="0"/>
+              <a:t>Tissue B cells</a:t>
+            </a:r>
+          </a:p>
+        </p:txBody>
+      </p:sp>
+      <p:sp>
+        <p:nvSpPr>
+          <p:cNvPr id="22" name="TextBox 21">
+            <a:extLst>
+              <a:ext uri="{FF2B5EF4-FFF2-40B4-BE49-F238E27FC236}">
+                <a16:creationId xmlns:a16="http://schemas.microsoft.com/office/drawing/2014/main" id="{8208E409-B222-158F-E29E-3A41B9CEE149}"/>
+              </a:ext>
+            </a:extLst>
+          </p:cNvPr>
+          <p:cNvSpPr txBox="1"/>
+          <p:nvPr/>
+        </p:nvSpPr>
+        <p:spPr>
+          <a:xfrm>
+            <a:off x="5128591" y="4794838"/>
+            <a:ext cx="1314784" cy="369332"/>
+          </a:xfrm>
+          <a:prstGeom prst="rect">
+            <a:avLst/>
+          </a:prstGeom>
+          <a:noFill/>
+        </p:spPr>
+        <p:txBody>
+          <a:bodyPr wrap="none" rtlCol="0">
+            <a:spAutoFit/>
+          </a:bodyPr>
+          <a:lstStyle/>
+          <a:p>
+            <a:r>
+              <a:rPr lang="en-US" dirty="0"/>
+              <a:t>Tissue CD4T</a:t>
+            </a:r>
+          </a:p>
+        </p:txBody>
+      </p:sp>
+      <p:pic>
+        <p:nvPicPr>
+          <p:cNvPr id="5" name="Picture 4">
+            <a:extLst>
+              <a:ext uri="{FF2B5EF4-FFF2-40B4-BE49-F238E27FC236}">
+                <a16:creationId xmlns:a16="http://schemas.microsoft.com/office/drawing/2014/main" id="{7FA9052C-A2F7-CB80-BE07-22FE2C266519}"/>
+              </a:ext>
+            </a:extLst>
+          </p:cNvPr>
+          <p:cNvPicPr>
+            <a:picLocks noChangeAspect="1"/>
+          </p:cNvPicPr>
+          <p:nvPr/>
+        </p:nvPicPr>
+        <p:blipFill>
+          <a:blip r:embed="rId2">
+            <a:extLst>
+              <a:ext uri="{28A0092B-C50C-407E-A947-70E740481C1C}">
+                <a14:useLocalDpi xmlns:a14="http://schemas.microsoft.com/office/drawing/2010/main" val="0"/>
+              </a:ext>
+            </a:extLst>
+          </a:blip>
+          <a:stretch>
+            <a:fillRect/>
+          </a:stretch>
+        </p:blipFill>
+        <p:spPr>
+          <a:xfrm>
+            <a:off x="958983" y="1836183"/>
+            <a:ext cx="3093057" cy="2743200"/>
+          </a:xfrm>
+          <a:prstGeom prst="rect">
+            <a:avLst/>
+          </a:prstGeom>
+        </p:spPr>
+      </p:pic>
+      <p:pic>
+        <p:nvPicPr>
+          <p:cNvPr id="8" name="Picture 7">
+            <a:extLst>
+              <a:ext uri="{FF2B5EF4-FFF2-40B4-BE49-F238E27FC236}">
+                <a16:creationId xmlns:a16="http://schemas.microsoft.com/office/drawing/2014/main" id="{3531263C-19F2-C66E-5270-B2EF10E19D36}"/>
+              </a:ext>
+            </a:extLst>
+          </p:cNvPr>
+          <p:cNvPicPr>
+            <a:picLocks noChangeAspect="1"/>
+          </p:cNvPicPr>
+          <p:nvPr/>
+        </p:nvPicPr>
+        <p:blipFill>
+          <a:blip r:embed="rId3">
+            <a:extLst>
+              <a:ext uri="{28A0092B-C50C-407E-A947-70E740481C1C}">
+                <a14:useLocalDpi xmlns:a14="http://schemas.microsoft.com/office/drawing/2010/main" val="0"/>
+              </a:ext>
+            </a:extLst>
+          </a:blip>
+          <a:stretch>
+            <a:fillRect/>
+          </a:stretch>
+        </p:blipFill>
+        <p:spPr>
+          <a:xfrm>
+            <a:off x="4543395" y="1836183"/>
+            <a:ext cx="3112168" cy="2743200"/>
+          </a:xfrm>
+          <a:prstGeom prst="rect">
+            <a:avLst/>
+          </a:prstGeom>
+        </p:spPr>
+      </p:pic>
+      <p:pic>
+        <p:nvPicPr>
+          <p:cNvPr id="10" name="Picture 9">
+            <a:extLst>
+              <a:ext uri="{FF2B5EF4-FFF2-40B4-BE49-F238E27FC236}">
+                <a16:creationId xmlns:a16="http://schemas.microsoft.com/office/drawing/2014/main" id="{D6C14DBC-B173-D21D-A552-A72D6E72B49C}"/>
+              </a:ext>
+            </a:extLst>
+          </p:cNvPr>
+          <p:cNvPicPr>
+            <a:picLocks noChangeAspect="1"/>
+          </p:cNvPicPr>
+          <p:nvPr/>
+        </p:nvPicPr>
+        <p:blipFill>
+          <a:blip r:embed="rId4">
+            <a:extLst>
+              <a:ext uri="{28A0092B-C50C-407E-A947-70E740481C1C}">
+                <a14:useLocalDpi xmlns:a14="http://schemas.microsoft.com/office/drawing/2010/main" val="0"/>
+              </a:ext>
+            </a:extLst>
+          </a:blip>
+          <a:stretch>
+            <a:fillRect/>
+          </a:stretch>
+        </p:blipFill>
+        <p:spPr>
+          <a:xfrm>
+            <a:off x="8146917" y="1836183"/>
+            <a:ext cx="3086100" cy="2743200"/>
+          </a:xfrm>
+          <a:prstGeom prst="rect">
+            <a:avLst/>
+          </a:prstGeom>
+        </p:spPr>
+      </p:pic>
     </p:spTree>
     <p:extLst>
       <p:ext uri="{BB962C8B-B14F-4D97-AF65-F5344CB8AC3E}">
-        <p14:creationId xmlns:p14="http://schemas.microsoft.com/office/powerpoint/2010/main" val="2046797108"/>
+        <p14:creationId xmlns:p14="http://schemas.microsoft.com/office/powerpoint/2010/main" val="3000899341"/>
       </p:ext>
     </p:extLst>
   </p:cSld>
@@ -4299,7 +5073,7 @@
     </p:spTree>
     <p:extLst>
       <p:ext uri="{BB962C8B-B14F-4D97-AF65-F5344CB8AC3E}">
-        <p14:creationId xmlns:p14="http://schemas.microsoft.com/office/powerpoint/2010/main" val="1708610594"/>
+        <p14:creationId xmlns:p14="http://schemas.microsoft.com/office/powerpoint/2010/main" val="3583755307"/>
       </p:ext>
     </p:extLst>
   </p:cSld>
@@ -4358,7 +5132,7 @@
     </p:spTree>
     <p:extLst>
       <p:ext uri="{BB962C8B-B14F-4D97-AF65-F5344CB8AC3E}">
-        <p14:creationId xmlns:p14="http://schemas.microsoft.com/office/powerpoint/2010/main" val="1745059043"/>
+        <p14:creationId xmlns:p14="http://schemas.microsoft.com/office/powerpoint/2010/main" val="2046797108"/>
       </p:ext>
     </p:extLst>
   </p:cSld>
@@ -4417,7 +5191,7 @@
     </p:spTree>
     <p:extLst>
       <p:ext uri="{BB962C8B-B14F-4D97-AF65-F5344CB8AC3E}">
-        <p14:creationId xmlns:p14="http://schemas.microsoft.com/office/powerpoint/2010/main" val="323176756"/>
+        <p14:creationId xmlns:p14="http://schemas.microsoft.com/office/powerpoint/2010/main" val="1708610594"/>
       </p:ext>
     </p:extLst>
   </p:cSld>
@@ -4468,6 +5242,124 @@
             <a:fld id="{AD169837-3143-44FA-94C6-B5220B265883}" type="slidenum">
               <a:rPr lang="en-US" smtClean="0"/>
               <a:t>16</a:t>
+            </a:fld>
+            <a:endParaRPr lang="en-US"/>
+          </a:p>
+        </p:txBody>
+      </p:sp>
+    </p:spTree>
+    <p:extLst>
+      <p:ext uri="{BB962C8B-B14F-4D97-AF65-F5344CB8AC3E}">
+        <p14:creationId xmlns:p14="http://schemas.microsoft.com/office/powerpoint/2010/main" val="1745059043"/>
+      </p:ext>
+    </p:extLst>
+  </p:cSld>
+  <p:clrMapOvr>
+    <a:masterClrMapping/>
+  </p:clrMapOvr>
+</p:sld>
+</file>
+
+<file path=ppt/slides/slide17.xml><?xml version="1.0" encoding="utf-8"?>
+<p:sld xmlns:a="http://schemas.openxmlformats.org/drawingml/2006/main" xmlns:r="http://schemas.openxmlformats.org/officeDocument/2006/relationships" xmlns:p="http://schemas.openxmlformats.org/presentationml/2006/main">
+  <p:cSld>
+    <p:spTree>
+      <p:nvGrpSpPr>
+        <p:cNvPr id="1" name=""/>
+        <p:cNvGrpSpPr/>
+        <p:nvPr/>
+      </p:nvGrpSpPr>
+      <p:grpSpPr>
+        <a:xfrm>
+          <a:off x="0" y="0"/>
+          <a:ext cx="0" cy="0"/>
+          <a:chOff x="0" y="0"/>
+          <a:chExt cx="0" cy="0"/>
+        </a:xfrm>
+      </p:grpSpPr>
+      <p:sp>
+        <p:nvSpPr>
+          <p:cNvPr id="4" name="Slide Number Placeholder 3">
+            <a:extLst>
+              <a:ext uri="{FF2B5EF4-FFF2-40B4-BE49-F238E27FC236}">
+                <a16:creationId xmlns:a16="http://schemas.microsoft.com/office/drawing/2014/main" id="{AC30DC80-BEDF-8372-4083-7520A3AD657E}"/>
+              </a:ext>
+            </a:extLst>
+          </p:cNvPr>
+          <p:cNvSpPr>
+            <a:spLocks noGrp="1"/>
+          </p:cNvSpPr>
+          <p:nvPr>
+            <p:ph type="sldNum" sz="quarter" idx="12"/>
+          </p:nvPr>
+        </p:nvSpPr>
+        <p:spPr/>
+        <p:txBody>
+          <a:bodyPr/>
+          <a:lstStyle/>
+          <a:p>
+            <a:fld id="{AD169837-3143-44FA-94C6-B5220B265883}" type="slidenum">
+              <a:rPr lang="en-US" smtClean="0"/>
+              <a:t>17</a:t>
+            </a:fld>
+            <a:endParaRPr lang="en-US"/>
+          </a:p>
+        </p:txBody>
+      </p:sp>
+    </p:spTree>
+    <p:extLst>
+      <p:ext uri="{BB962C8B-B14F-4D97-AF65-F5344CB8AC3E}">
+        <p14:creationId xmlns:p14="http://schemas.microsoft.com/office/powerpoint/2010/main" val="323176756"/>
+      </p:ext>
+    </p:extLst>
+  </p:cSld>
+  <p:clrMapOvr>
+    <a:masterClrMapping/>
+  </p:clrMapOvr>
+</p:sld>
+</file>
+
+<file path=ppt/slides/slide18.xml><?xml version="1.0" encoding="utf-8"?>
+<p:sld xmlns:a="http://schemas.openxmlformats.org/drawingml/2006/main" xmlns:r="http://schemas.openxmlformats.org/officeDocument/2006/relationships" xmlns:p="http://schemas.openxmlformats.org/presentationml/2006/main">
+  <p:cSld>
+    <p:spTree>
+      <p:nvGrpSpPr>
+        <p:cNvPr id="1" name=""/>
+        <p:cNvGrpSpPr/>
+        <p:nvPr/>
+      </p:nvGrpSpPr>
+      <p:grpSpPr>
+        <a:xfrm>
+          <a:off x="0" y="0"/>
+          <a:ext cx="0" cy="0"/>
+          <a:chOff x="0" y="0"/>
+          <a:chExt cx="0" cy="0"/>
+        </a:xfrm>
+      </p:grpSpPr>
+      <p:sp>
+        <p:nvSpPr>
+          <p:cNvPr id="4" name="Slide Number Placeholder 3">
+            <a:extLst>
+              <a:ext uri="{FF2B5EF4-FFF2-40B4-BE49-F238E27FC236}">
+                <a16:creationId xmlns:a16="http://schemas.microsoft.com/office/drawing/2014/main" id="{AC30DC80-BEDF-8372-4083-7520A3AD657E}"/>
+              </a:ext>
+            </a:extLst>
+          </p:cNvPr>
+          <p:cNvSpPr>
+            <a:spLocks noGrp="1"/>
+          </p:cNvSpPr>
+          <p:nvPr>
+            <p:ph type="sldNum" sz="quarter" idx="12"/>
+          </p:nvPr>
+        </p:nvSpPr>
+        <p:spPr/>
+        <p:txBody>
+          <a:bodyPr/>
+          <a:lstStyle/>
+          <a:p>
+            <a:fld id="{AD169837-3143-44FA-94C6-B5220B265883}" type="slidenum">
+              <a:rPr lang="en-US" smtClean="0"/>
+              <a:t>18</a:t>
             </a:fld>
             <a:endParaRPr lang="en-US"/>
           </a:p>
